--- a/Lecture10.pptx
+++ b/Lecture10.pptx
@@ -5,10 +5,10 @@
     <p:sldMasterId id="2147483648" r:id="rId1"/>
   </p:sldMasterIdLst>
   <p:notesMasterIdLst>
-    <p:notesMasterId r:id="rId30"/>
+    <p:notesMasterId r:id="rId31"/>
   </p:notesMasterIdLst>
   <p:handoutMasterIdLst>
-    <p:handoutMasterId r:id="rId31"/>
+    <p:handoutMasterId r:id="rId32"/>
   </p:handoutMasterIdLst>
   <p:sldIdLst>
     <p:sldId id="257" r:id="rId2"/>
@@ -22,23 +22,24 @@
     <p:sldId id="437" r:id="rId10"/>
     <p:sldId id="440" r:id="rId11"/>
     <p:sldId id="441" r:id="rId12"/>
-    <p:sldId id="443" r:id="rId13"/>
-    <p:sldId id="450" r:id="rId14"/>
-    <p:sldId id="451" r:id="rId15"/>
-    <p:sldId id="452" r:id="rId16"/>
-    <p:sldId id="453" r:id="rId17"/>
-    <p:sldId id="454" r:id="rId18"/>
-    <p:sldId id="455" r:id="rId19"/>
-    <p:sldId id="456" r:id="rId20"/>
-    <p:sldId id="458" r:id="rId21"/>
-    <p:sldId id="459" r:id="rId22"/>
-    <p:sldId id="460" r:id="rId23"/>
-    <p:sldId id="461" r:id="rId24"/>
-    <p:sldId id="462" r:id="rId25"/>
-    <p:sldId id="463" r:id="rId26"/>
-    <p:sldId id="464" r:id="rId27"/>
-    <p:sldId id="465" r:id="rId28"/>
-    <p:sldId id="457" r:id="rId29"/>
+    <p:sldId id="466" r:id="rId13"/>
+    <p:sldId id="443" r:id="rId14"/>
+    <p:sldId id="450" r:id="rId15"/>
+    <p:sldId id="451" r:id="rId16"/>
+    <p:sldId id="452" r:id="rId17"/>
+    <p:sldId id="453" r:id="rId18"/>
+    <p:sldId id="454" r:id="rId19"/>
+    <p:sldId id="455" r:id="rId20"/>
+    <p:sldId id="456" r:id="rId21"/>
+    <p:sldId id="458" r:id="rId22"/>
+    <p:sldId id="459" r:id="rId23"/>
+    <p:sldId id="460" r:id="rId24"/>
+    <p:sldId id="461" r:id="rId25"/>
+    <p:sldId id="462" r:id="rId26"/>
+    <p:sldId id="463" r:id="rId27"/>
+    <p:sldId id="464" r:id="rId28"/>
+    <p:sldId id="465" r:id="rId29"/>
+    <p:sldId id="457" r:id="rId30"/>
   </p:sldIdLst>
   <p:sldSz cx="9144000" cy="6858000" type="screen4x3"/>
   <p:notesSz cx="6858000" cy="9144000"/>
@@ -238,7 +239,7 @@
           <a:p>
             <a:fld id="{9B76BEED-DF9C-1A44-AA9A-E917AAEDB26F}" type="datetimeFigureOut">
               <a:rPr lang="en-US" smtClean="0"/>
-              <a:t>10/30/18</a:t>
+              <a:t>11/1/18</a:t>
             </a:fld>
             <a:endParaRPr lang="en-US"/>
           </a:p>
@@ -404,7 +405,7 @@
           <a:p>
             <a:fld id="{21727DB9-44F7-CE42-9AB8-318282F70AED}" type="datetimeFigureOut">
               <a:rPr lang="en-US" smtClean="0"/>
-              <a:t>10/30/18</a:t>
+              <a:t>11/1/18</a:t>
             </a:fld>
             <a:endParaRPr lang="en-US"/>
           </a:p>
@@ -862,7 +863,7 @@
           <a:p>
             <a:fld id="{700CF522-F05E-8946-A5FF-DB9FEEF2D366}" type="slidenum">
               <a:rPr lang="en-US" smtClean="0"/>
-              <a:t>17</a:t>
+              <a:t>18</a:t>
             </a:fld>
             <a:endParaRPr lang="en-US"/>
           </a:p>
@@ -946,7 +947,7 @@
           <a:p>
             <a:fld id="{700CF522-F05E-8946-A5FF-DB9FEEF2D366}" type="slidenum">
               <a:rPr lang="en-US" smtClean="0"/>
-              <a:t>18</a:t>
+              <a:t>19</a:t>
             </a:fld>
             <a:endParaRPr lang="en-US"/>
           </a:p>
@@ -1038,7 +1039,7 @@
           <a:p>
             <a:fld id="{700CF522-F05E-8946-A5FF-DB9FEEF2D366}" type="slidenum">
               <a:rPr lang="en-US" smtClean="0"/>
-              <a:t>19</a:t>
+              <a:t>20</a:t>
             </a:fld>
             <a:endParaRPr lang="en-US"/>
           </a:p>
@@ -1122,7 +1123,7 @@
           <a:p>
             <a:fld id="{700CF522-F05E-8946-A5FF-DB9FEEF2D366}" type="slidenum">
               <a:rPr lang="en-US" smtClean="0"/>
-              <a:t>21</a:t>
+              <a:t>22</a:t>
             </a:fld>
             <a:endParaRPr lang="en-US"/>
           </a:p>
@@ -1214,7 +1215,7 @@
           <a:p>
             <a:fld id="{700CF522-F05E-8946-A5FF-DB9FEEF2D366}" type="slidenum">
               <a:rPr lang="en-US" smtClean="0"/>
-              <a:t>22</a:t>
+              <a:t>23</a:t>
             </a:fld>
             <a:endParaRPr lang="en-US"/>
           </a:p>
@@ -1418,7 +1419,7 @@
           <a:p>
             <a:fld id="{700CF522-F05E-8946-A5FF-DB9FEEF2D366}" type="slidenum">
               <a:rPr lang="en-US" smtClean="0"/>
-              <a:t>23</a:t>
+              <a:t>24</a:t>
             </a:fld>
             <a:endParaRPr lang="en-US"/>
           </a:p>
@@ -1529,7 +1530,7 @@
           <a:p>
             <a:fld id="{700CF522-F05E-8946-A5FF-DB9FEEF2D366}" type="slidenum">
               <a:rPr lang="en-US" smtClean="0"/>
-              <a:t>24</a:t>
+              <a:t>25</a:t>
             </a:fld>
             <a:endParaRPr lang="en-US"/>
           </a:p>
@@ -1613,7 +1614,7 @@
           <a:p>
             <a:fld id="{700CF522-F05E-8946-A5FF-DB9FEEF2D366}" type="slidenum">
               <a:rPr lang="en-US" smtClean="0"/>
-              <a:t>26</a:t>
+              <a:t>27</a:t>
             </a:fld>
             <a:endParaRPr lang="en-US"/>
           </a:p>
@@ -2041,6 +2042,29 @@
             <a:endParaRPr lang="en-US" baseline="0" dirty="0" smtClean="0"/>
           </a:p>
           <a:p>
+            <a:pPr marL="0" marR="0" indent="0" algn="l" defTabSz="457200" rtl="0" eaLnBrk="1" fontAlgn="auto" latinLnBrk="0" hangingPunct="1">
+              <a:lnSpc>
+                <a:spcPct val="100000"/>
+              </a:lnSpc>
+              <a:spcBef>
+                <a:spcPts val="0"/>
+              </a:spcBef>
+              <a:spcAft>
+                <a:spcPts val="0"/>
+              </a:spcAft>
+              <a:buClrTx/>
+              <a:buSzTx/>
+              <a:buFontTx/>
+              <a:buNone/>
+              <a:tabLst/>
+              <a:defRPr/>
+            </a:pPr>
+            <a:r>
+              <a:rPr lang="en-US" dirty="0" smtClean="0"/>
+              <a:t>Examples in the text book</a:t>
+            </a:r>
+          </a:p>
+          <a:p>
             <a:endParaRPr lang="en-US" dirty="0"/>
           </a:p>
         </p:txBody>
@@ -2125,11 +2149,7 @@
           <a:bodyPr/>
           <a:lstStyle/>
           <a:p>
-            <a:r>
-              <a:rPr lang="en-US" smtClean="0"/>
-              <a:t>Examples in the text book</a:t>
-            </a:r>
-            <a:endParaRPr lang="en-US"/>
+            <a:endParaRPr lang="en-US" dirty="0"/>
           </a:p>
         </p:txBody>
       </p:sp>
@@ -2225,6 +2245,11 @@
               <a:rPr lang="en-US" dirty="0" smtClean="0"/>
               <a:t>) pages, </a:t>
             </a:r>
+            <a:r>
+              <a:rPr lang="en-US" dirty="0" smtClean="0"/>
+              <a:t>      Virtual memory is  4GB</a:t>
+            </a:r>
+            <a:endParaRPr lang="en-US" dirty="0" smtClean="0"/>
           </a:p>
           <a:p>
             <a:pPr marL="0" marR="0" lvl="1" indent="0" algn="l" defTabSz="457200" rtl="0" eaLnBrk="1" fontAlgn="auto" latinLnBrk="0" hangingPunct="1">
@@ -2254,8 +2279,13 @@
             </a:r>
             <a:r>
               <a:rPr lang="en-US" dirty="0" smtClean="0"/>
-              <a:t> (4K trillion) pages</a:t>
-            </a:r>
+              <a:t> (4K trillion) </a:t>
+            </a:r>
+            <a:r>
+              <a:rPr lang="en-US" dirty="0" smtClean="0"/>
+              <a:t>pages				</a:t>
+            </a:r>
+            <a:endParaRPr lang="en-US" dirty="0" smtClean="0"/>
           </a:p>
           <a:p>
             <a:endParaRPr lang="en-US" dirty="0"/>
@@ -2279,7 +2309,7 @@
           <a:p>
             <a:fld id="{700CF522-F05E-8946-A5FF-DB9FEEF2D366}" type="slidenum">
               <a:rPr lang="en-US" smtClean="0"/>
-              <a:t>12</a:t>
+              <a:t>13</a:t>
             </a:fld>
             <a:endParaRPr lang="en-US"/>
           </a:p>
@@ -2371,7 +2401,7 @@
           <a:p>
             <a:fld id="{700CF522-F05E-8946-A5FF-DB9FEEF2D366}" type="slidenum">
               <a:rPr lang="en-US" smtClean="0"/>
-              <a:t>14</a:t>
+              <a:t>15</a:t>
             </a:fld>
             <a:endParaRPr lang="en-US"/>
           </a:p>
@@ -2470,7 +2500,7 @@
           <a:p>
             <a:fld id="{700CF522-F05E-8946-A5FF-DB9FEEF2D366}" type="slidenum">
               <a:rPr lang="en-US" smtClean="0"/>
-              <a:t>16</a:t>
+              <a:t>17</a:t>
             </a:fld>
             <a:endParaRPr lang="en-US"/>
           </a:p>
@@ -2673,7 +2703,7 @@
           <a:p>
             <a:fld id="{ABADC6AE-926E-EB46-B8FC-9667B257EE73}" type="datetime1">
               <a:rPr lang="en-US" smtClean="0"/>
-              <a:t>10/30/18</a:t>
+              <a:t>11/1/18</a:t>
             </a:fld>
             <a:endParaRPr lang="en-US"/>
           </a:p>
@@ -2855,7 +2885,7 @@
           <a:p>
             <a:fld id="{E4F8A470-08EF-614D-BCC9-E2DDCDFFE454}" type="datetime1">
               <a:rPr lang="en-US" smtClean="0"/>
-              <a:t>10/30/18</a:t>
+              <a:t>11/1/18</a:t>
             </a:fld>
             <a:endParaRPr lang="en-US"/>
           </a:p>
@@ -3042,7 +3072,7 @@
           <a:p>
             <a:fld id="{AC56EEEE-62FA-B747-AC9A-642FE7F5EF9B}" type="datetime1">
               <a:rPr lang="en-US" smtClean="0"/>
-              <a:t>10/30/18</a:t>
+              <a:t>11/1/18</a:t>
             </a:fld>
             <a:endParaRPr lang="en-US"/>
           </a:p>
@@ -3198,7 +3228,7 @@
           <a:p>
             <a:fld id="{1F477C8D-48FB-BF44-B6D5-4E85A8E18A15}" type="datetime1">
               <a:rPr lang="en-US" smtClean="0"/>
-              <a:t>10/30/18</a:t>
+              <a:t>11/1/18</a:t>
             </a:fld>
             <a:endParaRPr lang="en-US"/>
           </a:p>
@@ -3485,7 +3515,7 @@
           <a:p>
             <a:fld id="{DF8BADF2-0887-724B-A839-500D892D50B2}" type="datetime1">
               <a:rPr lang="en-US" smtClean="0"/>
-              <a:t>10/30/18</a:t>
+              <a:t>11/1/18</a:t>
             </a:fld>
             <a:endParaRPr lang="en-US"/>
           </a:p>
@@ -3785,7 +3815,7 @@
           <a:p>
             <a:fld id="{AB679CD2-02A6-CF4B-81E1-8900F68564D6}" type="datetime1">
               <a:rPr lang="en-US" smtClean="0"/>
-              <a:t>10/30/18</a:t>
+              <a:t>11/1/18</a:t>
             </a:fld>
             <a:endParaRPr lang="en-US"/>
           </a:p>
@@ -4219,7 +4249,7 @@
           <a:p>
             <a:fld id="{1C655F5E-2E53-4E4B-9444-4A64692CB673}" type="datetime1">
               <a:rPr lang="en-US" smtClean="0"/>
-              <a:t>10/30/18</a:t>
+              <a:t>11/1/18</a:t>
             </a:fld>
             <a:endParaRPr lang="en-US"/>
           </a:p>
@@ -4349,7 +4379,7 @@
           <a:p>
             <a:fld id="{CA8CAF75-CF7F-A543-973A-BC50716AB675}" type="datetime1">
               <a:rPr lang="en-US" smtClean="0"/>
-              <a:t>10/30/18</a:t>
+              <a:t>11/1/18</a:t>
             </a:fld>
             <a:endParaRPr lang="en-US"/>
           </a:p>
@@ -4447,7 +4477,7 @@
           <a:p>
             <a:fld id="{BF82A31A-3479-9246-9E87-DD4066827871}" type="datetime1">
               <a:rPr lang="en-US" smtClean="0"/>
-              <a:t>10/30/18</a:t>
+              <a:t>11/1/18</a:t>
             </a:fld>
             <a:endParaRPr lang="en-US"/>
           </a:p>
@@ -4730,7 +4760,7 @@
           <a:p>
             <a:fld id="{42D814F9-59BE-C34C-B5F0-2D95F91463AA}" type="datetime1">
               <a:rPr lang="en-US" smtClean="0"/>
-              <a:t>10/30/18</a:t>
+              <a:t>11/1/18</a:t>
             </a:fld>
             <a:endParaRPr lang="en-US"/>
           </a:p>
@@ -4990,7 +5020,7 @@
           <a:p>
             <a:fld id="{B138EFD8-0C61-A541-90AF-E8C2C75167F4}" type="datetime1">
               <a:rPr lang="en-US" smtClean="0"/>
-              <a:t>10/30/18</a:t>
+              <a:t>11/1/18</a:t>
             </a:fld>
             <a:endParaRPr lang="en-US"/>
           </a:p>
@@ -5174,7 +5204,7 @@
           <a:p>
             <a:fld id="{2DCE6237-6632-494A-BB45-136EF54BD008}" type="datetime1">
               <a:rPr lang="en-US" smtClean="0"/>
-              <a:t>10/30/18</a:t>
+              <a:t>11/1/18</a:t>
             </a:fld>
             <a:endParaRPr lang="en-US"/>
           </a:p>
@@ -6170,7 +6200,7 @@
           <a:p>
             <a:fld id="{C94E3762-5D8A-3A4E-B6DB-2FE9B8FB070F}" type="datetime1">
               <a:rPr lang="en-US" smtClean="0"/>
-              <a:t>10/30/18</a:t>
+              <a:t>11/1/18</a:t>
             </a:fld>
             <a:endParaRPr lang="en-US"/>
           </a:p>
@@ -6285,7 +6315,7 @@
           <a:noFill/>
           <a:extLst>
             <a:ext uri="{909E8E84-426E-40dd-AFC4-6F175D3DCCD1}">
-              <a14:hiddenFill xmlns:a14="http://schemas.microsoft.com/office/drawing/2010/main" xmlns="">
+              <a14:hiddenFill xmlns="" xmlns:a14="http://schemas.microsoft.com/office/drawing/2010/main">
                 <a:solidFill>
                   <a:srgbClr val="FFFFFF"/>
                 </a:solidFill>
@@ -6317,14 +6347,14 @@
           <a:effectLst/>
           <a:extLst>
             <a:ext uri="{909E8E84-426E-40dd-AFC4-6F175D3DCCD1}">
-              <a14:hiddenFill xmlns:a14="http://schemas.microsoft.com/office/drawing/2010/main" xmlns="">
+              <a14:hiddenFill xmlns="" xmlns:a14="http://schemas.microsoft.com/office/drawing/2010/main">
                 <a:solidFill>
                   <a:schemeClr val="accent1"/>
                 </a:solidFill>
               </a14:hiddenFill>
             </a:ext>
             <a:ext uri="{91240B29-F687-4f45-9708-019B960494DF}">
-              <a14:hiddenLine xmlns:a14="http://schemas.microsoft.com/office/drawing/2010/main" xmlns="" w="9525">
+              <a14:hiddenLine xmlns="" xmlns:a14="http://schemas.microsoft.com/office/drawing/2010/main" w="9525">
                 <a:solidFill>
                   <a:schemeClr val="tx1"/>
                 </a:solidFill>
@@ -6334,7 +6364,7 @@
               </a14:hiddenLine>
             </a:ext>
             <a:ext uri="{AF507438-7753-43e0-B8FC-AC1667EBCBE1}">
-              <a14:hiddenEffects xmlns:a14="http://schemas.microsoft.com/office/drawing/2010/main" xmlns="">
+              <a14:hiddenEffects xmlns="" xmlns:a14="http://schemas.microsoft.com/office/drawing/2010/main">
                 <a:effectLst>
                   <a:outerShdw blurRad="63500" dist="38099" dir="2700000" algn="ctr" rotWithShape="0">
                     <a:schemeClr val="bg2">
@@ -6419,7 +6449,7 @@
           <a:p>
             <a:fld id="{C94E3762-5D8A-3A4E-B6DB-2FE9B8FB070F}" type="datetime1">
               <a:rPr lang="en-US" smtClean="0"/>
-              <a:t>10/30/18</a:t>
+              <a:t>11/1/18</a:t>
             </a:fld>
             <a:endParaRPr lang="en-US"/>
           </a:p>
@@ -6525,14 +6555,14 @@
           <a:effectLst/>
           <a:extLst>
             <a:ext uri="{909E8E84-426E-40dd-AFC4-6F175D3DCCD1}">
-              <a14:hiddenFill xmlns:a14="http://schemas.microsoft.com/office/drawing/2010/main" xmlns="">
+              <a14:hiddenFill xmlns="" xmlns:a14="http://schemas.microsoft.com/office/drawing/2010/main">
                 <a:solidFill>
                   <a:schemeClr val="accent1"/>
                 </a:solidFill>
               </a14:hiddenFill>
             </a:ext>
             <a:ext uri="{91240B29-F687-4f45-9708-019B960494DF}">
-              <a14:hiddenLine xmlns:a14="http://schemas.microsoft.com/office/drawing/2010/main" xmlns="" w="9525">
+              <a14:hiddenLine xmlns="" xmlns:a14="http://schemas.microsoft.com/office/drawing/2010/main" w="9525">
                 <a:solidFill>
                   <a:schemeClr val="tx1"/>
                 </a:solidFill>
@@ -6542,7 +6572,7 @@
               </a14:hiddenLine>
             </a:ext>
             <a:ext uri="{AF507438-7753-43e0-B8FC-AC1667EBCBE1}">
-              <a14:hiddenEffects xmlns:a14="http://schemas.microsoft.com/office/drawing/2010/main" xmlns="">
+              <a14:hiddenEffects xmlns="" xmlns:a14="http://schemas.microsoft.com/office/drawing/2010/main">
                 <a:effectLst>
                   <a:outerShdw blurRad="63500" dist="38099" dir="2700000" algn="ctr" rotWithShape="0">
                     <a:schemeClr val="bg2">
@@ -6644,7 +6674,7 @@
           <a:noFill/>
           <a:extLst>
             <a:ext uri="{909E8E84-426E-40dd-AFC4-6F175D3DCCD1}">
-              <a14:hiddenFill xmlns:a14="http://schemas.microsoft.com/office/drawing/2010/main" xmlns="">
+              <a14:hiddenFill xmlns="" xmlns:a14="http://schemas.microsoft.com/office/drawing/2010/main">
                 <a:solidFill>
                   <a:srgbClr val="FFFFFF"/>
                 </a:solidFill>
@@ -6695,143 +6725,6 @@
       </p:grpSpPr>
       <p:sp>
         <p:nvSpPr>
-          <p:cNvPr id="2" name="Content Placeholder 1"/>
-          <p:cNvSpPr>
-            <a:spLocks noGrp="1"/>
-          </p:cNvSpPr>
-          <p:nvPr>
-            <p:ph idx="1"/>
-          </p:nvPr>
-        </p:nvSpPr>
-        <p:spPr/>
-        <p:txBody>
-          <a:bodyPr/>
-          <a:lstStyle/>
-          <a:p>
-            <a:r>
-              <a:rPr lang="en-US" dirty="0"/>
-              <a:t>Paging implementation issues:</a:t>
-            </a:r>
-          </a:p>
-          <a:p>
-            <a:endParaRPr lang="en-US" dirty="0" smtClean="0"/>
-          </a:p>
-          <a:p>
-            <a:r>
-              <a:rPr lang="en-US" dirty="0" smtClean="0">
-                <a:solidFill>
-                  <a:srgbClr val="FF0000"/>
-                </a:solidFill>
-              </a:rPr>
-              <a:t>Virtual </a:t>
-            </a:r>
-            <a:r>
-              <a:rPr lang="en-US" dirty="0">
-                <a:solidFill>
-                  <a:srgbClr val="FF0000"/>
-                </a:solidFill>
-              </a:rPr>
-              <a:t>address to physical </a:t>
-            </a:r>
-            <a:r>
-              <a:rPr lang="en-US" dirty="0" smtClean="0">
-                <a:solidFill>
-                  <a:srgbClr val="FF0000"/>
-                </a:solidFill>
-              </a:rPr>
-              <a:t>address mapping </a:t>
-            </a:r>
-            <a:r>
-              <a:rPr lang="en-US" dirty="0">
-                <a:solidFill>
-                  <a:srgbClr val="FF0000"/>
-                </a:solidFill>
-              </a:rPr>
-              <a:t>must be </a:t>
-            </a:r>
-            <a:r>
-              <a:rPr lang="en-US" dirty="0" smtClean="0">
-                <a:solidFill>
-                  <a:srgbClr val="FF0000"/>
-                </a:solidFill>
-              </a:rPr>
-              <a:t>fast</a:t>
-            </a:r>
-          </a:p>
-          <a:p>
-            <a:pPr lvl="1"/>
-            <a:r>
-              <a:rPr lang="en-US" dirty="0" smtClean="0"/>
-              <a:t>Must be done every memory reference</a:t>
-            </a:r>
-          </a:p>
-          <a:p>
-            <a:pPr lvl="1"/>
-            <a:endParaRPr lang="en-US" dirty="0"/>
-          </a:p>
-          <a:p>
-            <a:r>
-              <a:rPr lang="en-US" dirty="0">
-                <a:solidFill>
-                  <a:srgbClr val="FF0000"/>
-                </a:solidFill>
-              </a:rPr>
-              <a:t>If </a:t>
-            </a:r>
-            <a:r>
-              <a:rPr lang="en-US" dirty="0" smtClean="0">
-                <a:solidFill>
-                  <a:srgbClr val="FF0000"/>
-                </a:solidFill>
-              </a:rPr>
-              <a:t>virtual </a:t>
-            </a:r>
-            <a:r>
-              <a:rPr lang="en-US" dirty="0">
-                <a:solidFill>
-                  <a:srgbClr val="FF0000"/>
-                </a:solidFill>
-              </a:rPr>
-              <a:t>address space is large, the page table will be </a:t>
-            </a:r>
-            <a:r>
-              <a:rPr lang="en-US" dirty="0" smtClean="0">
-                <a:solidFill>
-                  <a:srgbClr val="FF0000"/>
-                </a:solidFill>
-              </a:rPr>
-              <a:t>large</a:t>
-            </a:r>
-          </a:p>
-          <a:p>
-            <a:pPr lvl="1"/>
-            <a:r>
-              <a:rPr lang="en-US" dirty="0" smtClean="0"/>
-              <a:t>With 4KB page size, 32-bit address -&gt; how many pages, </a:t>
-            </a:r>
-          </a:p>
-          <a:p>
-            <a:pPr lvl="1"/>
-            <a:r>
-              <a:rPr lang="en-US" dirty="0"/>
-              <a:t>With 4KB page size, 64-bit </a:t>
-            </a:r>
-            <a:r>
-              <a:rPr lang="en-US" dirty="0" smtClean="0"/>
-              <a:t>address </a:t>
-            </a:r>
-            <a:r>
-              <a:rPr lang="en-US" dirty="0"/>
-              <a:t>-&gt; how many pages, </a:t>
-            </a:r>
-          </a:p>
-          <a:p>
-            <a:endParaRPr lang="en-US" dirty="0"/>
-          </a:p>
-        </p:txBody>
-      </p:sp>
-      <p:sp>
-        <p:nvSpPr>
           <p:cNvPr id="3" name="Date Placeholder 2"/>
           <p:cNvSpPr>
             <a:spLocks noGrp="1"/>
@@ -6847,7 +6740,7 @@
           <a:p>
             <a:fld id="{C94E3762-5D8A-3A4E-B6DB-2FE9B8FB070F}" type="datetime1">
               <a:rPr lang="en-US" smtClean="0"/>
-              <a:t>10/30/18</a:t>
+              <a:t>11/1/18</a:t>
             </a:fld>
             <a:endParaRPr lang="en-US"/>
           </a:p>
@@ -6899,10 +6792,141 @@
           </a:p>
         </p:txBody>
       </p:sp>
+      <p:sp>
+        <p:nvSpPr>
+          <p:cNvPr id="6" name="Title 5"/>
+          <p:cNvSpPr>
+            <a:spLocks noGrp="1"/>
+          </p:cNvSpPr>
+          <p:nvPr>
+            <p:ph type="title"/>
+          </p:nvPr>
+        </p:nvSpPr>
+        <p:spPr/>
+        <p:txBody>
+          <a:bodyPr/>
+          <a:lstStyle/>
+          <a:p>
+            <a:r>
+              <a:rPr lang="en-US" dirty="0"/>
+              <a:t>Structure of Page Table Entry</a:t>
+            </a:r>
+          </a:p>
+        </p:txBody>
+      </p:sp>
+      <p:pic>
+        <p:nvPicPr>
+          <p:cNvPr id="7" name="Picture 6" descr="D:\b\b4\IBM\03-11.jpg"/>
+          <p:cNvPicPr>
+            <a:picLocks noChangeAspect="1" noChangeArrowheads="1"/>
+          </p:cNvPicPr>
+          <p:nvPr/>
+        </p:nvPicPr>
+        <p:blipFill>
+          <a:blip r:embed="rId2">
+            <a:extLst>
+              <a:ext uri="{28A0092B-C50C-407E-A947-70E740481C1C}">
+                <a14:useLocalDpi xmlns:a14="http://schemas.microsoft.com/office/drawing/2010/main" val="0"/>
+              </a:ext>
+            </a:extLst>
+          </a:blip>
+          <a:srcRect/>
+          <a:stretch>
+            <a:fillRect/>
+          </a:stretch>
+        </p:blipFill>
+        <p:spPr bwMode="auto">
+          <a:xfrm>
+            <a:off x="558800" y="2108200"/>
+            <a:ext cx="7629525" cy="2051050"/>
+          </a:xfrm>
+          <a:prstGeom prst="rect">
+            <a:avLst/>
+          </a:prstGeom>
+          <a:noFill/>
+          <a:extLst>
+            <a:ext uri="{909E8E84-426E-40dd-AFC4-6F175D3DCCD1}">
+              <a14:hiddenFill xmlns:a14="http://schemas.microsoft.com/office/drawing/2010/main" xmlns="">
+                <a:solidFill>
+                  <a:srgbClr val="FFFFFF"/>
+                </a:solidFill>
+              </a14:hiddenFill>
+            </a:ext>
+          </a:extLst>
+        </p:spPr>
+      </p:pic>
+      <p:sp>
+        <p:nvSpPr>
+          <p:cNvPr id="8" name="Rectangle 2"/>
+          <p:cNvSpPr>
+            <a:spLocks noChangeArrowheads="1"/>
+          </p:cNvSpPr>
+          <p:nvPr/>
+        </p:nvSpPr>
+        <p:spPr bwMode="auto">
+          <a:xfrm>
+            <a:off x="0" y="5295900"/>
+            <a:ext cx="9144000" cy="838200"/>
+          </a:xfrm>
+          <a:prstGeom prst="rect">
+            <a:avLst/>
+          </a:prstGeom>
+          <a:noFill/>
+          <a:ln>
+            <a:noFill/>
+          </a:ln>
+          <a:effectLst/>
+          <a:extLst>
+            <a:ext uri="{909E8E84-426E-40dd-AFC4-6F175D3DCCD1}">
+              <a14:hiddenFill xmlns:a14="http://schemas.microsoft.com/office/drawing/2010/main" xmlns="">
+                <a:solidFill>
+                  <a:schemeClr val="accent1"/>
+                </a:solidFill>
+              </a14:hiddenFill>
+            </a:ext>
+            <a:ext uri="{91240B29-F687-4f45-9708-019B960494DF}">
+              <a14:hiddenLine xmlns:a14="http://schemas.microsoft.com/office/drawing/2010/main" xmlns="" w="9525">
+                <a:solidFill>
+                  <a:schemeClr val="tx1"/>
+                </a:solidFill>
+                <a:miter lim="800000"/>
+                <a:headEnd/>
+                <a:tailEnd/>
+              </a14:hiddenLine>
+            </a:ext>
+            <a:ext uri="{AF507438-7753-43e0-B8FC-AC1667EBCBE1}">
+              <a14:hiddenEffects xmlns:a14="http://schemas.microsoft.com/office/drawing/2010/main" xmlns="">
+                <a:effectLst>
+                  <a:outerShdw blurRad="63500" dist="38099" dir="2700000" algn="ctr" rotWithShape="0">
+                    <a:schemeClr val="bg2">
+                      <a:alpha val="74998"/>
+                    </a:schemeClr>
+                  </a:outerShdw>
+                </a:effectLst>
+              </a14:hiddenEffects>
+            </a:ext>
+          </a:extLst>
+        </p:spPr>
+        <p:txBody>
+          <a:bodyPr lIns="92075" tIns="46038" rIns="92075" bIns="46038"/>
+          <a:lstStyle/>
+          <a:p>
+            <a:pPr marL="609600" indent="-609600" algn="ctr">
+              <a:spcBef>
+                <a:spcPct val="20000"/>
+              </a:spcBef>
+            </a:pPr>
+            <a:r>
+              <a:rPr lang="en-US" sz="2000" dirty="0"/>
+              <a:t>Figure 3-11. A typical page table entry.</a:t>
+            </a:r>
+          </a:p>
+        </p:txBody>
+      </p:sp>
     </p:spTree>
     <p:extLst>
       <p:ext uri="{BB962C8B-B14F-4D97-AF65-F5344CB8AC3E}">
-        <p14:creationId xmlns:p14="http://schemas.microsoft.com/office/powerpoint/2010/main" val="387754499"/>
+        <p14:creationId xmlns:p14="http://schemas.microsoft.com/office/powerpoint/2010/main" val="1451167822"/>
       </p:ext>
     </p:extLst>
   </p:cSld>
@@ -6951,26 +6975,22 @@
         </p:nvSpPr>
         <p:spPr/>
         <p:txBody>
-          <a:bodyPr>
-            <a:normAutofit lnSpcReduction="10000"/>
-          </a:bodyPr>
-          <a:lstStyle/>
-          <a:p>
-            <a:r>
-              <a:rPr lang="en-US" dirty="0" smtClean="0"/>
-              <a:t>Questions?</a:t>
-            </a:r>
-          </a:p>
-          <a:p>
-            <a:endParaRPr lang="en-US" dirty="0"/>
+          <a:bodyPr/>
+          <a:lstStyle/>
+          <a:p>
+            <a:r>
+              <a:rPr lang="en-US" dirty="0"/>
+              <a:t>Paging implementation issues:</a:t>
+            </a:r>
+          </a:p>
+          <a:p>
+            <a:endParaRPr lang="en-US" dirty="0" smtClean="0"/>
           </a:p>
           <a:p>
             <a:r>
               <a:rPr lang="en-US" dirty="0" smtClean="0">
                 <a:solidFill>
-                  <a:schemeClr val="bg1">
-                    <a:lumMod val="75000"/>
-                  </a:schemeClr>
+                  <a:srgbClr val="FF0000"/>
                 </a:solidFill>
               </a:rPr>
               <a:t>Virtual </a:t>
@@ -6978,111 +6998,105 @@
             <a:r>
               <a:rPr lang="en-US" dirty="0">
                 <a:solidFill>
-                  <a:schemeClr val="bg1">
-                    <a:lumMod val="75000"/>
-                  </a:schemeClr>
+                  <a:srgbClr val="FF0000"/>
                 </a:solidFill>
               </a:rPr>
-              <a:t>Memory</a:t>
+              <a:t>address to physical </a:t>
+            </a:r>
+            <a:r>
+              <a:rPr lang="en-US" dirty="0" smtClean="0">
+                <a:solidFill>
+                  <a:srgbClr val="FF0000"/>
+                </a:solidFill>
+              </a:rPr>
+              <a:t>address mapping </a:t>
+            </a:r>
+            <a:r>
+              <a:rPr lang="en-US" dirty="0">
+                <a:solidFill>
+                  <a:srgbClr val="FF0000"/>
+                </a:solidFill>
+              </a:rPr>
+              <a:t>must be </a:t>
+            </a:r>
+            <a:r>
+              <a:rPr lang="en-US" dirty="0" smtClean="0">
+                <a:solidFill>
+                  <a:srgbClr val="FF0000"/>
+                </a:solidFill>
+              </a:rPr>
+              <a:t>fast</a:t>
             </a:r>
           </a:p>
           <a:p>
             <a:pPr lvl="1"/>
             <a:r>
+              <a:rPr lang="en-US" dirty="0" smtClean="0"/>
+              <a:t>Must be done every memory reference</a:t>
+            </a:r>
+          </a:p>
+          <a:p>
+            <a:pPr lvl="1"/>
+            <a:endParaRPr lang="en-US" dirty="0"/>
+          </a:p>
+          <a:p>
+            <a:r>
+              <a:rPr lang="en-US" dirty="0">
+                <a:solidFill>
+                  <a:srgbClr val="FF0000"/>
+                </a:solidFill>
+              </a:rPr>
+              <a:t>If </a:t>
+            </a:r>
+            <a:r>
               <a:rPr lang="en-US" dirty="0" smtClean="0">
                 <a:solidFill>
-                  <a:schemeClr val="bg1">
-                    <a:lumMod val="75000"/>
-                  </a:schemeClr>
+                  <a:srgbClr val="FF0000"/>
                 </a:solidFill>
               </a:rPr>
-              <a:t>Paging, Page </a:t>
+              <a:t>virtual </a:t>
             </a:r>
             <a:r>
               <a:rPr lang="en-US" dirty="0">
                 <a:solidFill>
-                  <a:schemeClr val="bg1">
-                    <a:lumMod val="75000"/>
-                  </a:schemeClr>
+                  <a:srgbClr val="FF0000"/>
                 </a:solidFill>
               </a:rPr>
-              <a:t>tables</a:t>
+              <a:t>address space is large, the page table will be </a:t>
+            </a:r>
+            <a:r>
+              <a:rPr lang="en-US" dirty="0" smtClean="0">
+                <a:solidFill>
+                  <a:srgbClr val="FF0000"/>
+                </a:solidFill>
+              </a:rPr>
+              <a:t>large</a:t>
             </a:r>
           </a:p>
           <a:p>
             <a:pPr lvl="1"/>
             <a:r>
-              <a:rPr lang="en-US" dirty="0">
-                <a:solidFill>
-                  <a:schemeClr val="bg1">
-                    <a:lumMod val="75000"/>
-                  </a:schemeClr>
-                </a:solidFill>
-              </a:rPr>
-              <a:t>Speeding up paging</a:t>
+              <a:rPr lang="en-US" dirty="0" smtClean="0"/>
+              <a:t>With 4KB page size, 32-bit address -&gt; how many pages, </a:t>
             </a:r>
           </a:p>
           <a:p>
             <a:pPr lvl="1"/>
             <a:r>
-              <a:rPr lang="en-US" dirty="0">
-                <a:solidFill>
-                  <a:schemeClr val="bg1">
-                    <a:lumMod val="75000"/>
-                  </a:schemeClr>
-                </a:solidFill>
-              </a:rPr>
-              <a:t>Page tables for large memories</a:t>
-            </a:r>
-          </a:p>
-          <a:p>
-            <a:r>
               <a:rPr lang="en-US" dirty="0"/>
-              <a:t>Page Replacement Algorithms</a:t>
-            </a:r>
-          </a:p>
-          <a:p>
-            <a:pPr lvl="1"/>
+              <a:t>With 4KB page size, 64-bit </a:t>
+            </a:r>
+            <a:r>
+              <a:rPr lang="en-US" dirty="0" smtClean="0"/>
+              <a:t>address </a:t>
+            </a:r>
             <a:r>
               <a:rPr lang="en-US" dirty="0"/>
-              <a:t>Optimal algorithm</a:t>
-            </a:r>
-          </a:p>
-          <a:p>
-            <a:pPr lvl="1"/>
-            <a:r>
-              <a:rPr lang="en-US" dirty="0"/>
-              <a:t>NRU, FIFO, Second-chance algorithms</a:t>
-            </a:r>
-          </a:p>
-          <a:p>
-            <a:pPr lvl="1"/>
-            <a:r>
-              <a:rPr lang="en-US" dirty="0"/>
-              <a:t>Clock, LRU, Aging algorithms</a:t>
-            </a:r>
-          </a:p>
-          <a:p>
-            <a:pPr lvl="1"/>
-            <a:r>
-              <a:rPr lang="en-US" dirty="0"/>
-              <a:t>Working set and </a:t>
-            </a:r>
-            <a:r>
-              <a:rPr lang="en-US" dirty="0" err="1"/>
-              <a:t>WSClock</a:t>
-            </a:r>
-            <a:r>
-              <a:rPr lang="en-US" dirty="0"/>
-              <a:t> algorithms</a:t>
-            </a:r>
-          </a:p>
-          <a:p>
-            <a:pPr lvl="1"/>
-            <a:r>
-              <a:rPr lang="en-US" dirty="0" smtClean="0"/>
-              <a:t>Summary</a:t>
-            </a:r>
+              <a:t>-&gt; how many pages, </a:t>
+            </a:r>
+          </a:p>
+          <a:p>
+            <a:endParaRPr lang="en-US" dirty="0"/>
           </a:p>
         </p:txBody>
       </p:sp>
@@ -7103,7 +7117,7 @@
           <a:p>
             <a:fld id="{C94E3762-5D8A-3A4E-B6DB-2FE9B8FB070F}" type="datetime1">
               <a:rPr lang="en-US" smtClean="0"/>
-              <a:t>10/30/18</a:t>
+              <a:t>11/1/18</a:t>
             </a:fld>
             <a:endParaRPr lang="en-US"/>
           </a:p>
@@ -7155,33 +7169,10 @@
           </a:p>
         </p:txBody>
       </p:sp>
-      <p:sp>
-        <p:nvSpPr>
-          <p:cNvPr id="6" name="Title 5"/>
-          <p:cNvSpPr>
-            <a:spLocks noGrp="1"/>
-          </p:cNvSpPr>
-          <p:nvPr>
-            <p:ph type="title"/>
-          </p:nvPr>
-        </p:nvSpPr>
-        <p:spPr/>
-        <p:txBody>
-          <a:bodyPr/>
-          <a:lstStyle/>
-          <a:p>
-            <a:r>
-              <a:rPr lang="en-US" dirty="0" smtClean="0"/>
-              <a:t>Outline</a:t>
-            </a:r>
-            <a:endParaRPr lang="en-US" dirty="0"/>
-          </a:p>
-        </p:txBody>
-      </p:sp>
     </p:spTree>
     <p:extLst>
       <p:ext uri="{BB962C8B-B14F-4D97-AF65-F5344CB8AC3E}">
-        <p14:creationId xmlns:p14="http://schemas.microsoft.com/office/powerpoint/2010/main" val="1268938089"/>
+        <p14:creationId xmlns:p14="http://schemas.microsoft.com/office/powerpoint/2010/main" val="387754499"/>
       </p:ext>
     </p:extLst>
   </p:cSld>
@@ -7228,6 +7219,285 @@
             <p:ph idx="1"/>
           </p:nvPr>
         </p:nvSpPr>
+        <p:spPr/>
+        <p:txBody>
+          <a:bodyPr>
+            <a:normAutofit lnSpcReduction="10000"/>
+          </a:bodyPr>
+          <a:lstStyle/>
+          <a:p>
+            <a:r>
+              <a:rPr lang="en-US" dirty="0" smtClean="0"/>
+              <a:t>Questions?</a:t>
+            </a:r>
+          </a:p>
+          <a:p>
+            <a:endParaRPr lang="en-US" dirty="0"/>
+          </a:p>
+          <a:p>
+            <a:r>
+              <a:rPr lang="en-US" dirty="0" smtClean="0">
+                <a:solidFill>
+                  <a:schemeClr val="bg1">
+                    <a:lumMod val="75000"/>
+                  </a:schemeClr>
+                </a:solidFill>
+              </a:rPr>
+              <a:t>Virtual </a:t>
+            </a:r>
+            <a:r>
+              <a:rPr lang="en-US" dirty="0">
+                <a:solidFill>
+                  <a:schemeClr val="bg1">
+                    <a:lumMod val="75000"/>
+                  </a:schemeClr>
+                </a:solidFill>
+              </a:rPr>
+              <a:t>Memory</a:t>
+            </a:r>
+          </a:p>
+          <a:p>
+            <a:pPr lvl="1"/>
+            <a:r>
+              <a:rPr lang="en-US" dirty="0" smtClean="0">
+                <a:solidFill>
+                  <a:schemeClr val="bg1">
+                    <a:lumMod val="75000"/>
+                  </a:schemeClr>
+                </a:solidFill>
+              </a:rPr>
+              <a:t>Paging, Page </a:t>
+            </a:r>
+            <a:r>
+              <a:rPr lang="en-US" dirty="0">
+                <a:solidFill>
+                  <a:schemeClr val="bg1">
+                    <a:lumMod val="75000"/>
+                  </a:schemeClr>
+                </a:solidFill>
+              </a:rPr>
+              <a:t>tables</a:t>
+            </a:r>
+          </a:p>
+          <a:p>
+            <a:pPr lvl="1"/>
+            <a:r>
+              <a:rPr lang="en-US" dirty="0">
+                <a:solidFill>
+                  <a:schemeClr val="bg1">
+                    <a:lumMod val="75000"/>
+                  </a:schemeClr>
+                </a:solidFill>
+              </a:rPr>
+              <a:t>Speeding up paging</a:t>
+            </a:r>
+          </a:p>
+          <a:p>
+            <a:pPr lvl="1"/>
+            <a:r>
+              <a:rPr lang="en-US" dirty="0">
+                <a:solidFill>
+                  <a:schemeClr val="bg1">
+                    <a:lumMod val="75000"/>
+                  </a:schemeClr>
+                </a:solidFill>
+              </a:rPr>
+              <a:t>Page tables for large memories</a:t>
+            </a:r>
+          </a:p>
+          <a:p>
+            <a:r>
+              <a:rPr lang="en-US" dirty="0"/>
+              <a:t>Page Replacement Algorithms</a:t>
+            </a:r>
+          </a:p>
+          <a:p>
+            <a:pPr lvl="1"/>
+            <a:r>
+              <a:rPr lang="en-US" dirty="0"/>
+              <a:t>Optimal algorithm</a:t>
+            </a:r>
+          </a:p>
+          <a:p>
+            <a:pPr lvl="1"/>
+            <a:r>
+              <a:rPr lang="en-US" dirty="0"/>
+              <a:t>NRU, FIFO, Second-chance algorithms</a:t>
+            </a:r>
+          </a:p>
+          <a:p>
+            <a:pPr lvl="1"/>
+            <a:r>
+              <a:rPr lang="en-US" dirty="0"/>
+              <a:t>Clock, LRU, Aging algorithms</a:t>
+            </a:r>
+          </a:p>
+          <a:p>
+            <a:pPr lvl="1"/>
+            <a:r>
+              <a:rPr lang="en-US" dirty="0"/>
+              <a:t>Working set and </a:t>
+            </a:r>
+            <a:r>
+              <a:rPr lang="en-US" dirty="0" err="1"/>
+              <a:t>WSClock</a:t>
+            </a:r>
+            <a:r>
+              <a:rPr lang="en-US" dirty="0"/>
+              <a:t> algorithms</a:t>
+            </a:r>
+          </a:p>
+          <a:p>
+            <a:pPr lvl="1"/>
+            <a:r>
+              <a:rPr lang="en-US" dirty="0" smtClean="0"/>
+              <a:t>Summary</a:t>
+            </a:r>
+          </a:p>
+        </p:txBody>
+      </p:sp>
+      <p:sp>
+        <p:nvSpPr>
+          <p:cNvPr id="3" name="Date Placeholder 2"/>
+          <p:cNvSpPr>
+            <a:spLocks noGrp="1"/>
+          </p:cNvSpPr>
+          <p:nvPr>
+            <p:ph type="dt" sz="half" idx="10"/>
+          </p:nvPr>
+        </p:nvSpPr>
+        <p:spPr/>
+        <p:txBody>
+          <a:bodyPr/>
+          <a:lstStyle/>
+          <a:p>
+            <a:fld id="{C94E3762-5D8A-3A4E-B6DB-2FE9B8FB070F}" type="datetime1">
+              <a:rPr lang="en-US" smtClean="0"/>
+              <a:t>11/1/18</a:t>
+            </a:fld>
+            <a:endParaRPr lang="en-US"/>
+          </a:p>
+        </p:txBody>
+      </p:sp>
+      <p:sp>
+        <p:nvSpPr>
+          <p:cNvPr id="4" name="Footer Placeholder 3"/>
+          <p:cNvSpPr>
+            <a:spLocks noGrp="1"/>
+          </p:cNvSpPr>
+          <p:nvPr>
+            <p:ph type="ftr" sz="quarter" idx="11"/>
+          </p:nvPr>
+        </p:nvSpPr>
+        <p:spPr/>
+        <p:txBody>
+          <a:bodyPr/>
+          <a:lstStyle/>
+          <a:p>
+            <a:r>
+              <a:rPr lang="en-US" smtClean="0"/>
+              <a:t>Yong Chen, Texas Tech University</a:t>
+            </a:r>
+            <a:endParaRPr lang="en-US" dirty="0" smtClean="0"/>
+          </a:p>
+        </p:txBody>
+      </p:sp>
+      <p:sp>
+        <p:nvSpPr>
+          <p:cNvPr id="5" name="Slide Number Placeholder 4"/>
+          <p:cNvSpPr>
+            <a:spLocks noGrp="1"/>
+          </p:cNvSpPr>
+          <p:nvPr>
+            <p:ph type="sldNum" sz="quarter" idx="12"/>
+          </p:nvPr>
+        </p:nvSpPr>
+        <p:spPr/>
+        <p:txBody>
+          <a:bodyPr/>
+          <a:lstStyle/>
+          <a:p>
+            <a:fld id="{D2DB48A1-B5F2-D944-9563-BD7B04ADBA09}" type="slidenum">
+              <a:rPr lang="en-US" smtClean="0"/>
+              <a:t>14</a:t>
+            </a:fld>
+            <a:endParaRPr lang="en-US"/>
+          </a:p>
+        </p:txBody>
+      </p:sp>
+      <p:sp>
+        <p:nvSpPr>
+          <p:cNvPr id="6" name="Title 5"/>
+          <p:cNvSpPr>
+            <a:spLocks noGrp="1"/>
+          </p:cNvSpPr>
+          <p:nvPr>
+            <p:ph type="title"/>
+          </p:nvPr>
+        </p:nvSpPr>
+        <p:spPr/>
+        <p:txBody>
+          <a:bodyPr/>
+          <a:lstStyle/>
+          <a:p>
+            <a:r>
+              <a:rPr lang="en-US" dirty="0" smtClean="0"/>
+              <a:t>Outline</a:t>
+            </a:r>
+            <a:endParaRPr lang="en-US" dirty="0"/>
+          </a:p>
+        </p:txBody>
+      </p:sp>
+    </p:spTree>
+    <p:extLst>
+      <p:ext uri="{BB962C8B-B14F-4D97-AF65-F5344CB8AC3E}">
+        <p14:creationId xmlns:p14="http://schemas.microsoft.com/office/powerpoint/2010/main" val="1268938089"/>
+      </p:ext>
+    </p:extLst>
+  </p:cSld>
+  <p:clrMapOvr>
+    <a:masterClrMapping/>
+  </p:clrMapOvr>
+  <p:transition spd="slow">
+    <p:push dir="u"/>
+  </p:transition>
+  <p:timing>
+    <p:tnLst>
+      <p:par>
+        <p:cTn id="1" dur="indefinite" restart="never" nodeType="tmRoot"/>
+      </p:par>
+    </p:tnLst>
+  </p:timing>
+</p:sld>
+</file>
+
+<file path=ppt/slides/slide15.xml><?xml version="1.0" encoding="utf-8"?>
+<p:sld xmlns:a="http://schemas.openxmlformats.org/drawingml/2006/main" xmlns:r="http://schemas.openxmlformats.org/officeDocument/2006/relationships" xmlns:p="http://schemas.openxmlformats.org/presentationml/2006/main">
+  <p:cSld>
+    <p:spTree>
+      <p:nvGrpSpPr>
+        <p:cNvPr id="1" name=""/>
+        <p:cNvGrpSpPr/>
+        <p:nvPr/>
+      </p:nvGrpSpPr>
+      <p:grpSpPr>
+        <a:xfrm>
+          <a:off x="0" y="0"/>
+          <a:ext cx="0" cy="0"/>
+          <a:chOff x="0" y="0"/>
+          <a:chExt cx="0" cy="0"/>
+        </a:xfrm>
+      </p:grpSpPr>
+      <p:sp>
+        <p:nvSpPr>
+          <p:cNvPr id="2" name="Content Placeholder 1"/>
+          <p:cNvSpPr>
+            <a:spLocks noGrp="1"/>
+          </p:cNvSpPr>
+          <p:nvPr>
+            <p:ph idx="1"/>
+          </p:nvPr>
+        </p:nvSpPr>
         <p:spPr>
           <a:xfrm>
             <a:off x="457200" y="1502586"/>
@@ -7240,7 +7510,11 @@
           <a:p>
             <a:r>
               <a:rPr lang="en-US" dirty="0" smtClean="0"/>
-              <a:t>When a page fault occurs, if page frames full, OS needs to choose a page to evict to make room</a:t>
+              <a:t>When a </a:t>
+            </a:r>
+            <a:r>
+              <a:rPr lang="en-US" dirty="0" smtClean="0"/>
+              <a:t>page fault occurs, if page frames full, OS needs to choose a page to evict to make room</a:t>
             </a:r>
           </a:p>
           <a:p>
@@ -7254,7 +7528,11 @@
             <a:pPr lvl="1"/>
             <a:r>
               <a:rPr lang="en-US" dirty="0" smtClean="0"/>
-              <a:t>Different in how fast they require</a:t>
+              <a:t>Different </a:t>
+            </a:r>
+            <a:r>
+              <a:rPr lang="en-US" dirty="0" smtClean="0"/>
+              <a:t>in how fast they require</a:t>
             </a:r>
           </a:p>
           <a:p>
@@ -7337,7 +7615,7 @@
           <a:p>
             <a:fld id="{C94E3762-5D8A-3A4E-B6DB-2FE9B8FB070F}" type="datetime1">
               <a:rPr lang="en-US" smtClean="0"/>
-              <a:t>10/30/18</a:t>
+              <a:t>11/1/18</a:t>
             </a:fld>
             <a:endParaRPr lang="en-US"/>
           </a:p>
@@ -7383,7 +7661,7 @@
           <a:p>
             <a:fld id="{D2DB48A1-B5F2-D944-9563-BD7B04ADBA09}" type="slidenum">
               <a:rPr lang="en-US" smtClean="0"/>
-              <a:t>14</a:t>
+              <a:t>15</a:t>
             </a:fld>
             <a:endParaRPr lang="en-US"/>
           </a:p>
@@ -7522,7 +7800,7 @@
 </p:sld>
 </file>
 
-<file path=ppt/slides/slide15.xml><?xml version="1.0" encoding="utf-8"?>
+<file path=ppt/slides/slide16.xml><?xml version="1.0" encoding="utf-8"?>
 <p:sld xmlns:a="http://schemas.openxmlformats.org/drawingml/2006/main" xmlns:r="http://schemas.openxmlformats.org/officeDocument/2006/relationships" xmlns:p="http://schemas.openxmlformats.org/presentationml/2006/main">
   <p:cSld>
     <p:spTree>
@@ -7619,7 +7897,7 @@
           <a:p>
             <a:fld id="{C94E3762-5D8A-3A4E-B6DB-2FE9B8FB070F}" type="datetime1">
               <a:rPr lang="en-US" smtClean="0"/>
-              <a:t>10/30/18</a:t>
+              <a:t>11/1/18</a:t>
             </a:fld>
             <a:endParaRPr lang="en-US"/>
           </a:p>
@@ -7664,7 +7942,7 @@
           <a:p>
             <a:fld id="{D2DB48A1-B5F2-D944-9563-BD7B04ADBA09}" type="slidenum">
               <a:rPr lang="en-US" smtClean="0"/>
-              <a:t>15</a:t>
+              <a:t>16</a:t>
             </a:fld>
             <a:endParaRPr lang="en-US"/>
           </a:p>
@@ -7837,7 +8115,7 @@
 </p:sld>
 </file>
 
-<file path=ppt/slides/slide16.xml><?xml version="1.0" encoding="utf-8"?>
+<file path=ppt/slides/slide17.xml><?xml version="1.0" encoding="utf-8"?>
 <p:sld xmlns:a="http://schemas.openxmlformats.org/drawingml/2006/main" xmlns:r="http://schemas.openxmlformats.org/officeDocument/2006/relationships" xmlns:p="http://schemas.openxmlformats.org/presentationml/2006/main">
   <p:cSld>
     <p:spTree>
@@ -8011,7 +8289,7 @@
           <a:p>
             <a:fld id="{C94E3762-5D8A-3A4E-B6DB-2FE9B8FB070F}" type="datetime1">
               <a:rPr lang="en-US" smtClean="0"/>
-              <a:t>10/30/18</a:t>
+              <a:t>11/1/18</a:t>
             </a:fld>
             <a:endParaRPr lang="en-US"/>
           </a:p>
@@ -8057,7 +8335,7 @@
           <a:p>
             <a:fld id="{D2DB48A1-B5F2-D944-9563-BD7B04ADBA09}" type="slidenum">
               <a:rPr lang="en-US" smtClean="0"/>
-              <a:t>16</a:t>
+              <a:t>17</a:t>
             </a:fld>
             <a:endParaRPr lang="en-US"/>
           </a:p>
@@ -8109,7 +8387,7 @@
 </p:sld>
 </file>
 
-<file path=ppt/slides/slide17.xml><?xml version="1.0" encoding="utf-8"?>
+<file path=ppt/slides/slide18.xml><?xml version="1.0" encoding="utf-8"?>
 <p:sld xmlns:a="http://schemas.openxmlformats.org/drawingml/2006/main" xmlns:r="http://schemas.openxmlformats.org/officeDocument/2006/relationships" xmlns:p="http://schemas.openxmlformats.org/presentationml/2006/main">
   <p:cSld>
     <p:spTree>
@@ -8211,7 +8489,7 @@
           <a:p>
             <a:fld id="{C94E3762-5D8A-3A4E-B6DB-2FE9B8FB070F}" type="datetime1">
               <a:rPr lang="en-US" smtClean="0"/>
-              <a:t>10/30/18</a:t>
+              <a:t>11/1/18</a:t>
             </a:fld>
             <a:endParaRPr lang="en-US"/>
           </a:p>
@@ -8257,7 +8535,7 @@
           <a:p>
             <a:fld id="{D2DB48A1-B5F2-D944-9563-BD7B04ADBA09}" type="slidenum">
               <a:rPr lang="en-US" smtClean="0"/>
-              <a:t>17</a:t>
+              <a:t>18</a:t>
             </a:fld>
             <a:endParaRPr lang="en-US"/>
           </a:p>
@@ -8381,7 +8659,7 @@
 </p:sld>
 </file>
 
-<file path=ppt/slides/slide18.xml><?xml version="1.0" encoding="utf-8"?>
+<file path=ppt/slides/slide19.xml><?xml version="1.0" encoding="utf-8"?>
 <p:sld xmlns:a="http://schemas.openxmlformats.org/drawingml/2006/main" xmlns:r="http://schemas.openxmlformats.org/officeDocument/2006/relationships" xmlns:p="http://schemas.openxmlformats.org/presentationml/2006/main">
   <p:cSld>
     <p:spTree>
@@ -8457,7 +8735,7 @@
           <a:p>
             <a:fld id="{C94E3762-5D8A-3A4E-B6DB-2FE9B8FB070F}" type="datetime1">
               <a:rPr lang="en-US" smtClean="0"/>
-              <a:t>10/30/18</a:t>
+              <a:t>11/1/18</a:t>
             </a:fld>
             <a:endParaRPr lang="en-US"/>
           </a:p>
@@ -8503,7 +8781,7 @@
           <a:p>
             <a:fld id="{D2DB48A1-B5F2-D944-9563-BD7B04ADBA09}" type="slidenum">
               <a:rPr lang="en-US" smtClean="0"/>
-              <a:t>18</a:t>
+              <a:t>19</a:t>
             </a:fld>
             <a:endParaRPr lang="en-US"/>
           </a:p>
@@ -8572,7 +8850,7 @@
           <a:noFill/>
           <a:extLst>
             <a:ext uri="{909E8E84-426E-40dd-AFC4-6F175D3DCCD1}">
-              <a14:hiddenFill xmlns:a14="http://schemas.microsoft.com/office/drawing/2010/main" xmlns="">
+              <a14:hiddenFill xmlns="" xmlns:a14="http://schemas.microsoft.com/office/drawing/2010/main">
                 <a:solidFill>
                   <a:srgbClr val="FFFFFF"/>
                 </a:solidFill>
@@ -8604,14 +8882,14 @@
           <a:effectLst/>
           <a:extLst>
             <a:ext uri="{909E8E84-426E-40dd-AFC4-6F175D3DCCD1}">
-              <a14:hiddenFill xmlns:a14="http://schemas.microsoft.com/office/drawing/2010/main" xmlns="">
+              <a14:hiddenFill xmlns="" xmlns:a14="http://schemas.microsoft.com/office/drawing/2010/main">
                 <a:solidFill>
                   <a:schemeClr val="accent1"/>
                 </a:solidFill>
               </a14:hiddenFill>
             </a:ext>
             <a:ext uri="{91240B29-F687-4f45-9708-019B960494DF}">
-              <a14:hiddenLine xmlns:a14="http://schemas.microsoft.com/office/drawing/2010/main" xmlns="" w="9525">
+              <a14:hiddenLine xmlns="" xmlns:a14="http://schemas.microsoft.com/office/drawing/2010/main" w="9525">
                 <a:solidFill>
                   <a:schemeClr val="tx1"/>
                 </a:solidFill>
@@ -8621,7 +8899,7 @@
               </a14:hiddenLine>
             </a:ext>
             <a:ext uri="{AF507438-7753-43e0-B8FC-AC1667EBCBE1}">
-              <a14:hiddenEffects xmlns:a14="http://schemas.microsoft.com/office/drawing/2010/main" xmlns="">
+              <a14:hiddenEffects xmlns="" xmlns:a14="http://schemas.microsoft.com/office/drawing/2010/main">
                 <a:effectLst>
                   <a:outerShdw blurRad="63500" dist="38099" dir="2700000" algn="ctr" rotWithShape="0">
                     <a:schemeClr val="bg2">
@@ -8679,250 +8957,6 @@
     <p:extLst>
       <p:ext uri="{BB962C8B-B14F-4D97-AF65-F5344CB8AC3E}">
         <p14:creationId xmlns:p14="http://schemas.microsoft.com/office/powerpoint/2010/main" val="265444690"/>
-      </p:ext>
-    </p:extLst>
-  </p:cSld>
-  <p:clrMapOvr>
-    <a:masterClrMapping/>
-  </p:clrMapOvr>
-  <p:transition spd="slow">
-    <p:push dir="u"/>
-  </p:transition>
-  <p:timing>
-    <p:tnLst>
-      <p:par>
-        <p:cTn id="1" dur="indefinite" restart="never" nodeType="tmRoot"/>
-      </p:par>
-    </p:tnLst>
-  </p:timing>
-</p:sld>
-</file>
-
-<file path=ppt/slides/slide19.xml><?xml version="1.0" encoding="utf-8"?>
-<p:sld xmlns:a="http://schemas.openxmlformats.org/drawingml/2006/main" xmlns:r="http://schemas.openxmlformats.org/officeDocument/2006/relationships" xmlns:p="http://schemas.openxmlformats.org/presentationml/2006/main">
-  <p:cSld>
-    <p:spTree>
-      <p:nvGrpSpPr>
-        <p:cNvPr id="1" name=""/>
-        <p:cNvGrpSpPr/>
-        <p:nvPr/>
-      </p:nvGrpSpPr>
-      <p:grpSpPr>
-        <a:xfrm>
-          <a:off x="0" y="0"/>
-          <a:ext cx="0" cy="0"/>
-          <a:chOff x="0" y="0"/>
-          <a:chExt cx="0" cy="0"/>
-        </a:xfrm>
-      </p:grpSpPr>
-      <p:sp>
-        <p:nvSpPr>
-          <p:cNvPr id="3" name="Date Placeholder 2"/>
-          <p:cNvSpPr>
-            <a:spLocks noGrp="1"/>
-          </p:cNvSpPr>
-          <p:nvPr>
-            <p:ph type="dt" sz="half" idx="10"/>
-          </p:nvPr>
-        </p:nvSpPr>
-        <p:spPr/>
-        <p:txBody>
-          <a:bodyPr/>
-          <a:lstStyle/>
-          <a:p>
-            <a:fld id="{C94E3762-5D8A-3A4E-B6DB-2FE9B8FB070F}" type="datetime1">
-              <a:rPr lang="en-US" smtClean="0"/>
-              <a:t>10/30/18</a:t>
-            </a:fld>
-            <a:endParaRPr lang="en-US"/>
-          </a:p>
-        </p:txBody>
-      </p:sp>
-      <p:sp>
-        <p:nvSpPr>
-          <p:cNvPr id="4" name="Footer Placeholder 3"/>
-          <p:cNvSpPr>
-            <a:spLocks noGrp="1"/>
-          </p:cNvSpPr>
-          <p:nvPr>
-            <p:ph type="ftr" sz="quarter" idx="11"/>
-          </p:nvPr>
-        </p:nvSpPr>
-        <p:spPr/>
-        <p:txBody>
-          <a:bodyPr/>
-          <a:lstStyle/>
-          <a:p>
-            <a:r>
-              <a:rPr lang="en-US" smtClean="0"/>
-              <a:t>Yong Chen, Texas Tech University</a:t>
-            </a:r>
-            <a:endParaRPr lang="en-US" dirty="0" smtClean="0"/>
-          </a:p>
-        </p:txBody>
-      </p:sp>
-      <p:sp>
-        <p:nvSpPr>
-          <p:cNvPr id="5" name="Slide Number Placeholder 4"/>
-          <p:cNvSpPr>
-            <a:spLocks noGrp="1"/>
-          </p:cNvSpPr>
-          <p:nvPr>
-            <p:ph type="sldNum" sz="quarter" idx="12"/>
-          </p:nvPr>
-        </p:nvSpPr>
-        <p:spPr/>
-        <p:txBody>
-          <a:bodyPr/>
-          <a:lstStyle/>
-          <a:p>
-            <a:fld id="{D2DB48A1-B5F2-D944-9563-BD7B04ADBA09}" type="slidenum">
-              <a:rPr lang="en-US" smtClean="0"/>
-              <a:t>19</a:t>
-            </a:fld>
-            <a:endParaRPr lang="en-US"/>
-          </a:p>
-        </p:txBody>
-      </p:sp>
-      <p:sp>
-        <p:nvSpPr>
-          <p:cNvPr id="6" name="Title 5"/>
-          <p:cNvSpPr>
-            <a:spLocks noGrp="1"/>
-          </p:cNvSpPr>
-          <p:nvPr>
-            <p:ph type="title"/>
-          </p:nvPr>
-        </p:nvSpPr>
-        <p:spPr/>
-        <p:txBody>
-          <a:bodyPr/>
-          <a:lstStyle/>
-          <a:p>
-            <a:r>
-              <a:rPr lang="en-US" dirty="0">
-                <a:solidFill>
-                  <a:srgbClr val="000000"/>
-                </a:solidFill>
-              </a:rPr>
-              <a:t>The Clock Page Replacement Algorithm</a:t>
-            </a:r>
-          </a:p>
-        </p:txBody>
-      </p:sp>
-      <p:pic>
-        <p:nvPicPr>
-          <p:cNvPr id="7" name="Picture 6" descr="D:\b\b4\IBM\03-16.jpg"/>
-          <p:cNvPicPr>
-            <a:picLocks noChangeAspect="1" noChangeArrowheads="1"/>
-          </p:cNvPicPr>
-          <p:nvPr/>
-        </p:nvPicPr>
-        <p:blipFill>
-          <a:blip r:embed="rId3">
-            <a:extLst>
-              <a:ext uri="{28A0092B-C50C-407E-A947-70E740481C1C}">
-                <a14:useLocalDpi xmlns:a14="http://schemas.microsoft.com/office/drawing/2010/main" val="0"/>
-              </a:ext>
-            </a:extLst>
-          </a:blip>
-          <a:srcRect/>
-          <a:stretch>
-            <a:fillRect/>
-          </a:stretch>
-        </p:blipFill>
-        <p:spPr bwMode="auto">
-          <a:xfrm>
-            <a:off x="1514475" y="1735138"/>
-            <a:ext cx="6343650" cy="3298825"/>
-          </a:xfrm>
-          <a:prstGeom prst="rect">
-            <a:avLst/>
-          </a:prstGeom>
-          <a:noFill/>
-          <a:extLst>
-            <a:ext uri="{909E8E84-426E-40dd-AFC4-6F175D3DCCD1}">
-              <a14:hiddenFill xmlns:a14="http://schemas.microsoft.com/office/drawing/2010/main" xmlns="">
-                <a:solidFill>
-                  <a:srgbClr val="FFFFFF"/>
-                </a:solidFill>
-              </a14:hiddenFill>
-            </a:ext>
-          </a:extLst>
-        </p:spPr>
-      </p:pic>
-      <p:sp>
-        <p:nvSpPr>
-          <p:cNvPr id="8" name="Rectangle 2"/>
-          <p:cNvSpPr>
-            <a:spLocks noChangeArrowheads="1"/>
-          </p:cNvSpPr>
-          <p:nvPr/>
-        </p:nvSpPr>
-        <p:spPr bwMode="auto">
-          <a:xfrm>
-            <a:off x="0" y="5715000"/>
-            <a:ext cx="9144000" cy="838200"/>
-          </a:xfrm>
-          <a:prstGeom prst="rect">
-            <a:avLst/>
-          </a:prstGeom>
-          <a:noFill/>
-          <a:ln>
-            <a:noFill/>
-          </a:ln>
-          <a:effectLst/>
-          <a:extLst>
-            <a:ext uri="{909E8E84-426E-40dd-AFC4-6F175D3DCCD1}">
-              <a14:hiddenFill xmlns:a14="http://schemas.microsoft.com/office/drawing/2010/main" xmlns="">
-                <a:solidFill>
-                  <a:schemeClr val="accent1"/>
-                </a:solidFill>
-              </a14:hiddenFill>
-            </a:ext>
-            <a:ext uri="{91240B29-F687-4f45-9708-019B960494DF}">
-              <a14:hiddenLine xmlns:a14="http://schemas.microsoft.com/office/drawing/2010/main" xmlns="" w="9525">
-                <a:solidFill>
-                  <a:schemeClr val="tx1"/>
-                </a:solidFill>
-                <a:miter lim="800000"/>
-                <a:headEnd/>
-                <a:tailEnd/>
-              </a14:hiddenLine>
-            </a:ext>
-            <a:ext uri="{AF507438-7753-43e0-B8FC-AC1667EBCBE1}">
-              <a14:hiddenEffects xmlns:a14="http://schemas.microsoft.com/office/drawing/2010/main" xmlns="">
-                <a:effectLst>
-                  <a:outerShdw blurRad="63500" dist="38099" dir="2700000" algn="ctr" rotWithShape="0">
-                    <a:schemeClr val="bg2">
-                      <a:alpha val="74998"/>
-                    </a:schemeClr>
-                  </a:outerShdw>
-                </a:effectLst>
-              </a14:hiddenEffects>
-            </a:ext>
-          </a:extLst>
-        </p:spPr>
-        <p:txBody>
-          <a:bodyPr lIns="92075" tIns="46038" rIns="92075" bIns="46038"/>
-          <a:lstStyle/>
-          <a:p>
-            <a:pPr marL="609600" indent="-609600" algn="ctr">
-              <a:spcBef>
-                <a:spcPct val="20000"/>
-              </a:spcBef>
-            </a:pPr>
-            <a:r>
-              <a:rPr lang="en-US" sz="2000" dirty="0"/>
-              <a:t>Figure 3-16. The clock page replacement algorithm.</a:t>
-            </a:r>
-          </a:p>
-        </p:txBody>
-      </p:sp>
-    </p:spTree>
-    <p:extLst>
-      <p:ext uri="{BB962C8B-B14F-4D97-AF65-F5344CB8AC3E}">
-        <p14:creationId xmlns:p14="http://schemas.microsoft.com/office/powerpoint/2010/main" val="1005370011"/>
       </p:ext>
     </p:extLst>
   </p:cSld>
@@ -9068,7 +9102,7 @@
           <a:p>
             <a:fld id="{C94E3762-5D8A-3A4E-B6DB-2FE9B8FB070F}" type="datetime1">
               <a:rPr lang="en-US" smtClean="0"/>
-              <a:t>10/30/18</a:t>
+              <a:t>11/1/18</a:t>
             </a:fld>
             <a:endParaRPr lang="en-US"/>
           </a:p>
@@ -9185,103 +9219,6 @@
       </p:grpSpPr>
       <p:sp>
         <p:nvSpPr>
-          <p:cNvPr id="2" name="Content Placeholder 1"/>
-          <p:cNvSpPr>
-            <a:spLocks noGrp="1"/>
-          </p:cNvSpPr>
-          <p:nvPr>
-            <p:ph idx="1"/>
-          </p:nvPr>
-        </p:nvSpPr>
-        <p:spPr>
-          <a:xfrm>
-            <a:off x="457199" y="1502586"/>
-            <a:ext cx="8469087" cy="4783914"/>
-          </a:xfrm>
-        </p:spPr>
-        <p:txBody>
-          <a:bodyPr/>
-          <a:lstStyle/>
-          <a:p>
-            <a:r>
-              <a:rPr lang="en-US" dirty="0" smtClean="0"/>
-              <a:t>LRU picks the page that has not been used for the longest time</a:t>
-            </a:r>
-          </a:p>
-          <a:p>
-            <a:endParaRPr lang="en-US" dirty="0"/>
-          </a:p>
-          <a:p>
-            <a:r>
-              <a:rPr lang="en-US" dirty="0" smtClean="0">
-                <a:solidFill>
-                  <a:srgbClr val="00B050"/>
-                </a:solidFill>
-              </a:rPr>
-              <a:t>Good approximation of OPT</a:t>
-            </a:r>
-          </a:p>
-          <a:p>
-            <a:r>
-              <a:rPr lang="en-US" dirty="0" smtClean="0"/>
-              <a:t>Not cheap to implement though</a:t>
-            </a:r>
-          </a:p>
-          <a:p>
-            <a:pPr lvl="1"/>
-            <a:r>
-              <a:rPr lang="en-US" dirty="0" smtClean="0"/>
-              <a:t>Needs a linked list and needs to </a:t>
-            </a:r>
-            <a:r>
-              <a:rPr lang="en-US" dirty="0" smtClean="0">
-                <a:solidFill>
-                  <a:srgbClr val="FF0000"/>
-                </a:solidFill>
-              </a:rPr>
-              <a:t>update this linked list on every memory reference</a:t>
-            </a:r>
-          </a:p>
-          <a:p>
-            <a:endParaRPr lang="en-US" dirty="0" smtClean="0"/>
-          </a:p>
-          <a:p>
-            <a:r>
-              <a:rPr lang="en-US" dirty="0" smtClean="0"/>
-              <a:t>Hardware implementations</a:t>
-            </a:r>
-          </a:p>
-          <a:p>
-            <a:pPr lvl="1"/>
-            <a:r>
-              <a:rPr lang="en-US" dirty="0" smtClean="0"/>
-              <a:t>With a counter incrementing after each instruction (“timer”); each page table entry stores a counter value, entry with lowest counter picked</a:t>
-            </a:r>
-          </a:p>
-          <a:p>
-            <a:pPr lvl="1"/>
-            <a:endParaRPr lang="en-US" dirty="0"/>
-          </a:p>
-          <a:p>
-            <a:pPr lvl="1"/>
-            <a:r>
-              <a:rPr lang="en-US" dirty="0" smtClean="0"/>
-              <a:t>With a matrix of </a:t>
-            </a:r>
-            <a:r>
-              <a:rPr lang="en-US" i="1" dirty="0" smtClean="0"/>
-              <a:t>n x n </a:t>
-            </a:r>
-            <a:r>
-              <a:rPr lang="en-US" dirty="0" smtClean="0"/>
-              <a:t>bits, for n page frames</a:t>
-            </a:r>
-            <a:endParaRPr lang="en-US" dirty="0"/>
-          </a:p>
-        </p:txBody>
-      </p:sp>
-      <p:sp>
-        <p:nvSpPr>
           <p:cNvPr id="3" name="Date Placeholder 2"/>
           <p:cNvSpPr>
             <a:spLocks noGrp="1"/>
@@ -9297,7 +9234,7 @@
           <a:p>
             <a:fld id="{C94E3762-5D8A-3A4E-B6DB-2FE9B8FB070F}" type="datetime1">
               <a:rPr lang="en-US" smtClean="0"/>
-              <a:t>10/30/18</a:t>
+              <a:t>11/1/18</a:t>
             </a:fld>
             <a:endParaRPr lang="en-US"/>
           </a:p>
@@ -9365,35 +9302,138 @@
           <a:lstStyle/>
           <a:p>
             <a:r>
-              <a:rPr lang="en-US" dirty="0" smtClean="0"/>
-              <a:t>Least Recently Used (LRU) Algorithm (1)</a:t>
-            </a:r>
-            <a:endParaRPr lang="en-US" dirty="0"/>
+              <a:rPr lang="en-US" dirty="0">
+                <a:solidFill>
+                  <a:srgbClr val="000000"/>
+                </a:solidFill>
+              </a:rPr>
+              <a:t>The Clock Page Replacement Algorithm</a:t>
+            </a:r>
+          </a:p>
+        </p:txBody>
+      </p:sp>
+      <p:pic>
+        <p:nvPicPr>
+          <p:cNvPr id="7" name="Picture 6" descr="D:\b\b4\IBM\03-16.jpg"/>
+          <p:cNvPicPr>
+            <a:picLocks noChangeAspect="1" noChangeArrowheads="1"/>
+          </p:cNvPicPr>
+          <p:nvPr/>
+        </p:nvPicPr>
+        <p:blipFill>
+          <a:blip r:embed="rId3">
+            <a:extLst>
+              <a:ext uri="{28A0092B-C50C-407E-A947-70E740481C1C}">
+                <a14:useLocalDpi xmlns:a14="http://schemas.microsoft.com/office/drawing/2010/main" val="0"/>
+              </a:ext>
+            </a:extLst>
+          </a:blip>
+          <a:srcRect/>
+          <a:stretch>
+            <a:fillRect/>
+          </a:stretch>
+        </p:blipFill>
+        <p:spPr bwMode="auto">
+          <a:xfrm>
+            <a:off x="1514475" y="1735138"/>
+            <a:ext cx="6343650" cy="3298825"/>
+          </a:xfrm>
+          <a:prstGeom prst="rect">
+            <a:avLst/>
+          </a:prstGeom>
+          <a:noFill/>
+          <a:extLst>
+            <a:ext uri="{909E8E84-426E-40dd-AFC4-6F175D3DCCD1}">
+              <a14:hiddenFill xmlns="" xmlns:a14="http://schemas.microsoft.com/office/drawing/2010/main">
+                <a:solidFill>
+                  <a:srgbClr val="FFFFFF"/>
+                </a:solidFill>
+              </a14:hiddenFill>
+            </a:ext>
+          </a:extLst>
+        </p:spPr>
+      </p:pic>
+      <p:sp>
+        <p:nvSpPr>
+          <p:cNvPr id="8" name="Rectangle 2"/>
+          <p:cNvSpPr>
+            <a:spLocks noChangeArrowheads="1"/>
+          </p:cNvSpPr>
+          <p:nvPr/>
+        </p:nvSpPr>
+        <p:spPr bwMode="auto">
+          <a:xfrm>
+            <a:off x="0" y="5715000"/>
+            <a:ext cx="9144000" cy="838200"/>
+          </a:xfrm>
+          <a:prstGeom prst="rect">
+            <a:avLst/>
+          </a:prstGeom>
+          <a:noFill/>
+          <a:ln>
+            <a:noFill/>
+          </a:ln>
+          <a:effectLst/>
+          <a:extLst>
+            <a:ext uri="{909E8E84-426E-40dd-AFC4-6F175D3DCCD1}">
+              <a14:hiddenFill xmlns="" xmlns:a14="http://schemas.microsoft.com/office/drawing/2010/main">
+                <a:solidFill>
+                  <a:schemeClr val="accent1"/>
+                </a:solidFill>
+              </a14:hiddenFill>
+            </a:ext>
+            <a:ext uri="{91240B29-F687-4f45-9708-019B960494DF}">
+              <a14:hiddenLine xmlns="" xmlns:a14="http://schemas.microsoft.com/office/drawing/2010/main" w="9525">
+                <a:solidFill>
+                  <a:schemeClr val="tx1"/>
+                </a:solidFill>
+                <a:miter lim="800000"/>
+                <a:headEnd/>
+                <a:tailEnd/>
+              </a14:hiddenLine>
+            </a:ext>
+            <a:ext uri="{AF507438-7753-43e0-B8FC-AC1667EBCBE1}">
+              <a14:hiddenEffects xmlns="" xmlns:a14="http://schemas.microsoft.com/office/drawing/2010/main">
+                <a:effectLst>
+                  <a:outerShdw blurRad="63500" dist="38099" dir="2700000" algn="ctr" rotWithShape="0">
+                    <a:schemeClr val="bg2">
+                      <a:alpha val="74998"/>
+                    </a:schemeClr>
+                  </a:outerShdw>
+                </a:effectLst>
+              </a14:hiddenEffects>
+            </a:ext>
+          </a:extLst>
+        </p:spPr>
+        <p:txBody>
+          <a:bodyPr lIns="92075" tIns="46038" rIns="92075" bIns="46038"/>
+          <a:lstStyle/>
+          <a:p>
+            <a:pPr marL="609600" indent="-609600" algn="ctr">
+              <a:spcBef>
+                <a:spcPct val="20000"/>
+              </a:spcBef>
+            </a:pPr>
+            <a:r>
+              <a:rPr lang="en-US" sz="2000" dirty="0"/>
+              <a:t>Figure 3-16. The clock page replacement algorithm.</a:t>
+            </a:r>
           </a:p>
         </p:txBody>
       </p:sp>
     </p:spTree>
     <p:extLst>
       <p:ext uri="{BB962C8B-B14F-4D97-AF65-F5344CB8AC3E}">
-        <p14:creationId xmlns:p14="http://schemas.microsoft.com/office/powerpoint/2010/main" val="814240146"/>
+        <p14:creationId xmlns:p14="http://schemas.microsoft.com/office/powerpoint/2010/main" val="1005370011"/>
       </p:ext>
     </p:extLst>
   </p:cSld>
   <p:clrMapOvr>
     <a:masterClrMapping/>
   </p:clrMapOvr>
-  <mc:AlternateContent xmlns:mc="http://schemas.openxmlformats.org/markup-compatibility/2006" xmlns:p14="http://schemas.microsoft.com/office/powerpoint/2010/main">
-    <mc:Choice Requires="p14">
-      <p:transition spd="med" p14:dur="700">
-        <p:push dir="u"/>
-      </p:transition>
-    </mc:Choice>
-    <mc:Fallback xmlns="">
-      <p:transition xmlns:p14="http://schemas.microsoft.com/office/powerpoint/2010/main" spd="med">
-        <p:push dir="u"/>
-      </p:transition>
-    </mc:Fallback>
-  </mc:AlternateContent>
+  <p:transition spd="slow">
+    <p:push dir="u"/>
+  </p:transition>
   <p:timing>
     <p:tnLst>
       <p:par>
@@ -9433,8 +9473,8 @@
         </p:nvSpPr>
         <p:spPr>
           <a:xfrm>
-            <a:off x="457200" y="1324429"/>
-            <a:ext cx="8229600" cy="4962071"/>
+            <a:off x="457199" y="1502586"/>
+            <a:ext cx="8469087" cy="4783914"/>
           </a:xfrm>
         </p:spPr>
         <p:txBody>
@@ -9443,16 +9483,79 @@
           <a:p>
             <a:r>
               <a:rPr lang="en-US" dirty="0" smtClean="0"/>
-              <a:t>When page frame k referenced, row k sets to 1, col k sets to 0</a:t>
+              <a:t>LRU picks the page that has not been used for the longest time</a:t>
+            </a:r>
+          </a:p>
+          <a:p>
+            <a:endParaRPr lang="en-US" dirty="0"/>
+          </a:p>
+          <a:p>
+            <a:r>
+              <a:rPr lang="en-US" dirty="0" smtClean="0">
+                <a:solidFill>
+                  <a:srgbClr val="00B050"/>
+                </a:solidFill>
+              </a:rPr>
+              <a:t>Good approximation of OPT</a:t>
             </a:r>
           </a:p>
           <a:p>
             <a:r>
               <a:rPr lang="en-US" dirty="0" smtClean="0"/>
-              <a:t>Row with lowest binary value picked</a:t>
-            </a:r>
+              <a:t>Not cheap to implement though</a:t>
+            </a:r>
+          </a:p>
+          <a:p>
+            <a:pPr lvl="1"/>
+            <a:r>
+              <a:rPr lang="en-US" dirty="0" smtClean="0"/>
+              <a:t>Needs a linked list and needs to </a:t>
+            </a:r>
+            <a:r>
+              <a:rPr lang="en-US" dirty="0" smtClean="0">
+                <a:solidFill>
+                  <a:srgbClr val="FF0000"/>
+                </a:solidFill>
+              </a:rPr>
+              <a:t>update this linked list on every memory reference</a:t>
+            </a:r>
+          </a:p>
+          <a:p>
+            <a:endParaRPr lang="en-US" dirty="0" smtClean="0"/>
+          </a:p>
+          <a:p>
+            <a:r>
+              <a:rPr lang="en-US" dirty="0" smtClean="0"/>
+              <a:t>Hardware implementations</a:t>
+            </a:r>
+          </a:p>
+          <a:p>
+            <a:pPr lvl="1"/>
+            <a:r>
+              <a:rPr lang="en-US" dirty="0" smtClean="0"/>
+              <a:t>With a counter incrementing after each instruction (“timer”); each page table entry stores a counter value, entry with lowest counter picked</a:t>
+            </a:r>
+          </a:p>
+          <a:p>
+            <a:pPr lvl="1"/>
             <a:endParaRPr lang="en-US" dirty="0"/>
           </a:p>
+          <a:p>
+            <a:pPr lvl="1"/>
+            <a:r>
+              <a:rPr lang="en-US" dirty="0" smtClean="0"/>
+              <a:t>With a matrix of </a:t>
+            </a:r>
+            <a:r>
+              <a:rPr lang="en-US" i="1" dirty="0" smtClean="0"/>
+              <a:t>n x n </a:t>
+            </a:r>
+            <a:r>
+              <a:rPr lang="en-US" dirty="0" smtClean="0"/>
+              <a:t>bits, for n page frames</a:t>
+            </a:r>
+            <a:endParaRPr lang="en-US" dirty="0"/>
+          </a:p>
         </p:txBody>
       </p:sp>
       <p:sp>
@@ -9472,7 +9575,7 @@
           <a:p>
             <a:fld id="{C94E3762-5D8A-3A4E-B6DB-2FE9B8FB070F}" type="datetime1">
               <a:rPr lang="en-US" smtClean="0"/>
-              <a:t>10/30/18</a:t>
+              <a:t>11/1/18</a:t>
             </a:fld>
             <a:endParaRPr lang="en-US"/>
           </a:p>
@@ -9534,145 +9637,23 @@
             <p:ph type="title"/>
           </p:nvPr>
         </p:nvSpPr>
-        <p:spPr>
-          <a:xfrm>
-            <a:off x="457200" y="702903"/>
-            <a:ext cx="8229600" cy="621526"/>
-          </a:xfrm>
-        </p:spPr>
-        <p:txBody>
-          <a:bodyPr/>
-          <a:lstStyle/>
-          <a:p>
-            <a:r>
-              <a:rPr lang="en-US" dirty="0"/>
-              <a:t>Least Recently Used (LRU) Algorithm </a:t>
-            </a:r>
+        <p:spPr/>
+        <p:txBody>
+          <a:bodyPr/>
+          <a:lstStyle/>
+          <a:p>
             <a:r>
               <a:rPr lang="en-US" dirty="0" smtClean="0"/>
-              <a:t>(2)</a:t>
+              <a:t>Least Recently Used (LRU) Algorithm (1)</a:t>
             </a:r>
             <a:endParaRPr lang="en-US" dirty="0"/>
-          </a:p>
-        </p:txBody>
-      </p:sp>
-      <p:pic>
-        <p:nvPicPr>
-          <p:cNvPr id="7" name="Picture 6" descr="D:\b\b4\IBM\03-17.jpg"/>
-          <p:cNvPicPr>
-            <a:picLocks noChangeAspect="1" noChangeArrowheads="1"/>
-          </p:cNvPicPr>
-          <p:nvPr/>
-        </p:nvPicPr>
-        <p:blipFill>
-          <a:blip r:embed="rId3">
-            <a:extLst>
-              <a:ext uri="{28A0092B-C50C-407E-A947-70E740481C1C}">
-                <a14:useLocalDpi xmlns:a14="http://schemas.microsoft.com/office/drawing/2010/main" val="0"/>
-              </a:ext>
-            </a:extLst>
-          </a:blip>
-          <a:srcRect/>
-          <a:stretch>
-            <a:fillRect/>
-          </a:stretch>
-        </p:blipFill>
-        <p:spPr bwMode="auto">
-          <a:xfrm>
-            <a:off x="1558700" y="2356885"/>
-            <a:ext cx="6387872" cy="3446772"/>
-          </a:xfrm>
-          <a:prstGeom prst="rect">
-            <a:avLst/>
-          </a:prstGeom>
-          <a:noFill/>
-          <a:extLst>
-            <a:ext uri="{909E8E84-426E-40dd-AFC4-6F175D3DCCD1}">
-              <a14:hiddenFill xmlns:a14="http://schemas.microsoft.com/office/drawing/2010/main" xmlns="">
-                <a:solidFill>
-                  <a:srgbClr val="FFFFFF"/>
-                </a:solidFill>
-              </a14:hiddenFill>
-            </a:ext>
-          </a:extLst>
-        </p:spPr>
-      </p:pic>
-      <p:sp>
-        <p:nvSpPr>
-          <p:cNvPr id="8" name="Rectangle 2"/>
-          <p:cNvSpPr>
-            <a:spLocks noChangeArrowheads="1"/>
-          </p:cNvSpPr>
-          <p:nvPr/>
-        </p:nvSpPr>
-        <p:spPr bwMode="auto">
-          <a:xfrm>
-            <a:off x="0" y="5803657"/>
-            <a:ext cx="9144000" cy="733876"/>
-          </a:xfrm>
-          <a:prstGeom prst="rect">
-            <a:avLst/>
-          </a:prstGeom>
-          <a:noFill/>
-          <a:ln>
-            <a:noFill/>
-          </a:ln>
-          <a:effectLst/>
-          <a:extLst>
-            <a:ext uri="{909E8E84-426E-40dd-AFC4-6F175D3DCCD1}">
-              <a14:hiddenFill xmlns:a14="http://schemas.microsoft.com/office/drawing/2010/main" xmlns="">
-                <a:solidFill>
-                  <a:schemeClr val="accent1"/>
-                </a:solidFill>
-              </a14:hiddenFill>
-            </a:ext>
-            <a:ext uri="{91240B29-F687-4f45-9708-019B960494DF}">
-              <a14:hiddenLine xmlns:a14="http://schemas.microsoft.com/office/drawing/2010/main" xmlns="" w="9525">
-                <a:solidFill>
-                  <a:schemeClr val="tx1"/>
-                </a:solidFill>
-                <a:miter lim="800000"/>
-                <a:headEnd/>
-                <a:tailEnd/>
-              </a14:hiddenLine>
-            </a:ext>
-            <a:ext uri="{AF507438-7753-43e0-B8FC-AC1667EBCBE1}">
-              <a14:hiddenEffects xmlns:a14="http://schemas.microsoft.com/office/drawing/2010/main" xmlns="">
-                <a:effectLst>
-                  <a:outerShdw blurRad="63500" dist="38099" dir="2700000" algn="ctr" rotWithShape="0">
-                    <a:schemeClr val="bg2">
-                      <a:alpha val="74998"/>
-                    </a:schemeClr>
-                  </a:outerShdw>
-                </a:effectLst>
-              </a14:hiddenEffects>
-            </a:ext>
-          </a:extLst>
-        </p:spPr>
-        <p:txBody>
-          <a:bodyPr lIns="92075" tIns="46038" rIns="92075" bIns="46038"/>
-          <a:lstStyle/>
-          <a:p>
-            <a:pPr marL="609600" indent="-609600" algn="ctr">
-              <a:spcBef>
-                <a:spcPct val="20000"/>
-              </a:spcBef>
-            </a:pPr>
-            <a:r>
-              <a:rPr lang="en-US" sz="2000" dirty="0" smtClean="0"/>
-              <a:t>LRU </a:t>
-            </a:r>
-            <a:r>
-              <a:rPr lang="en-US" sz="2000" dirty="0"/>
-              <a:t>using a matrix when pages are referenced in the order 0, 1, 2, 3, 2, 1, 0, 3, 2, 3.</a:t>
-            </a:r>
           </a:p>
         </p:txBody>
       </p:sp>
     </p:spTree>
     <p:extLst>
       <p:ext uri="{BB962C8B-B14F-4D97-AF65-F5344CB8AC3E}">
-        <p14:creationId xmlns:p14="http://schemas.microsoft.com/office/powerpoint/2010/main" val="1168335138"/>
+        <p14:creationId xmlns:p14="http://schemas.microsoft.com/office/powerpoint/2010/main" val="814240146"/>
       </p:ext>
     </p:extLst>
   </p:cSld>
@@ -9730,42 +9711,25 @@
         </p:nvSpPr>
         <p:spPr>
           <a:xfrm>
-            <a:off x="457200" y="1169126"/>
-            <a:ext cx="8229600" cy="5143500"/>
+            <a:off x="457200" y="1324429"/>
+            <a:ext cx="8229600" cy="4962071"/>
           </a:xfrm>
         </p:spPr>
         <p:txBody>
-          <a:bodyPr>
-            <a:normAutofit/>
-          </a:bodyPr>
-          <a:lstStyle/>
-          <a:p>
-            <a:r>
-              <a:rPr lang="en-US" sz="2000" dirty="0" smtClean="0"/>
-              <a:t>Software counter associated with each page</a:t>
-            </a:r>
-          </a:p>
-          <a:p>
-            <a:r>
-              <a:rPr lang="en-US" sz="2000" dirty="0" smtClean="0"/>
-              <a:t>Counter shifted right 1 bit, and R bit added in to the leftmost, at each clock interrupt</a:t>
-            </a:r>
-          </a:p>
-          <a:p>
-            <a:pPr lvl="1"/>
-            <a:r>
-              <a:rPr lang="en-US" sz="1600" dirty="0" smtClean="0">
-                <a:solidFill>
-                  <a:srgbClr val="0000FF"/>
-                </a:solidFill>
-              </a:rPr>
-              <a:t>Not exact LRU</a:t>
-            </a:r>
-            <a:r>
-              <a:rPr lang="en-US" sz="1600" dirty="0" smtClean="0"/>
-              <a:t>, e.g. pages 3 and 5 after not referenced a while</a:t>
-            </a:r>
-            <a:endParaRPr lang="en-US" sz="1600" dirty="0"/>
+          <a:bodyPr/>
+          <a:lstStyle/>
+          <a:p>
+            <a:r>
+              <a:rPr lang="en-US" dirty="0" smtClean="0"/>
+              <a:t>When page frame k referenced, row k sets to 1, col k sets to 0</a:t>
+            </a:r>
+          </a:p>
+          <a:p>
+            <a:r>
+              <a:rPr lang="en-US" dirty="0" smtClean="0"/>
+              <a:t>Row with lowest binary value picked</a:t>
+            </a:r>
+            <a:endParaRPr lang="en-US" dirty="0"/>
           </a:p>
         </p:txBody>
       </p:sp>
@@ -9786,7 +9750,7 @@
           <a:p>
             <a:fld id="{C94E3762-5D8A-3A4E-B6DB-2FE9B8FB070F}" type="datetime1">
               <a:rPr lang="en-US" smtClean="0"/>
-              <a:t>10/30/18</a:t>
+              <a:t>11/1/18</a:t>
             </a:fld>
             <a:endParaRPr lang="en-US"/>
           </a:p>
@@ -9850,8 +9814,8 @@
         </p:nvSpPr>
         <p:spPr>
           <a:xfrm>
-            <a:off x="457200" y="480787"/>
-            <a:ext cx="8229600" cy="920972"/>
+            <a:off x="457200" y="702903"/>
+            <a:ext cx="8229600" cy="621526"/>
           </a:xfrm>
         </p:spPr>
         <p:txBody>
@@ -9859,39 +9823,20 @@
           <a:lstStyle/>
           <a:p>
             <a:r>
-              <a:rPr lang="en-US" sz="2400" dirty="0"/>
-              <a:t>Simulating LRU in </a:t>
-            </a:r>
-            <a:r>
-              <a:rPr lang="en-US" sz="2400" dirty="0" smtClean="0"/>
-              <a:t>Software </a:t>
+              <a:rPr lang="en-US" dirty="0"/>
+              <a:t>Least Recently Used (LRU) Algorithm </a:t>
             </a:r>
             <a:r>
               <a:rPr lang="en-US" dirty="0" smtClean="0"/>
-              <a:t>– </a:t>
-            </a:r>
-            <a:r>
-              <a:rPr lang="en-US" b="1" dirty="0" smtClean="0"/>
-              <a:t>Aging</a:t>
-            </a:r>
-            <a:r>
-              <a:rPr lang="en-US" dirty="0" smtClean="0"/>
-              <a:t> Algorithm</a:t>
-            </a:r>
-            <a:r>
-              <a:rPr lang="en-US" dirty="0"/>
-              <a:t/>
-            </a:r>
-            <a:br>
-              <a:rPr lang="en-US" dirty="0"/>
-            </a:br>
+              <a:t>(2)</a:t>
+            </a:r>
             <a:endParaRPr lang="en-US" dirty="0"/>
           </a:p>
         </p:txBody>
       </p:sp>
       <p:pic>
         <p:nvPicPr>
-          <p:cNvPr id="7" name="Picture 6" descr="D:\b\b4\IBM\03-18.jpg"/>
+          <p:cNvPr id="7" name="Picture 6" descr="D:\b\b4\IBM\03-17.jpg"/>
           <p:cNvPicPr>
             <a:picLocks noChangeAspect="1" noChangeArrowheads="1"/>
           </p:cNvPicPr>
@@ -9912,8 +9857,8 @@
         </p:blipFill>
         <p:spPr bwMode="auto">
           <a:xfrm>
-            <a:off x="1487943" y="2483473"/>
-            <a:ext cx="5941558" cy="3415925"/>
+            <a:off x="1558700" y="2356885"/>
+            <a:ext cx="6387872" cy="3446772"/>
           </a:xfrm>
           <a:prstGeom prst="rect">
             <a:avLst/>
@@ -9921,7 +9866,7 @@
           <a:noFill/>
           <a:extLst>
             <a:ext uri="{909E8E84-426E-40dd-AFC4-6F175D3DCCD1}">
-              <a14:hiddenFill xmlns:a14="http://schemas.microsoft.com/office/drawing/2010/main" xmlns="">
+              <a14:hiddenFill xmlns="" xmlns:a14="http://schemas.microsoft.com/office/drawing/2010/main">
                 <a:solidFill>
                   <a:srgbClr val="FFFFFF"/>
                 </a:solidFill>
@@ -9940,8 +9885,8 @@
         </p:nvSpPr>
         <p:spPr bwMode="auto">
           <a:xfrm>
-            <a:off x="0" y="5807075"/>
-            <a:ext cx="9144000" cy="838200"/>
+            <a:off x="0" y="5803657"/>
+            <a:ext cx="9144000" cy="733876"/>
           </a:xfrm>
           <a:prstGeom prst="rect">
             <a:avLst/>
@@ -9953,14 +9898,14 @@
           <a:effectLst/>
           <a:extLst>
             <a:ext uri="{909E8E84-426E-40dd-AFC4-6F175D3DCCD1}">
-              <a14:hiddenFill xmlns:a14="http://schemas.microsoft.com/office/drawing/2010/main" xmlns="">
+              <a14:hiddenFill xmlns="" xmlns:a14="http://schemas.microsoft.com/office/drawing/2010/main">
                 <a:solidFill>
                   <a:schemeClr val="accent1"/>
                 </a:solidFill>
               </a14:hiddenFill>
             </a:ext>
             <a:ext uri="{91240B29-F687-4f45-9708-019B960494DF}">
-              <a14:hiddenLine xmlns:a14="http://schemas.microsoft.com/office/drawing/2010/main" xmlns="" w="9525">
+              <a14:hiddenLine xmlns="" xmlns:a14="http://schemas.microsoft.com/office/drawing/2010/main" w="9525">
                 <a:solidFill>
                   <a:schemeClr val="tx1"/>
                 </a:solidFill>
@@ -9970,7 +9915,7 @@
               </a14:hiddenLine>
             </a:ext>
             <a:ext uri="{AF507438-7753-43e0-B8FC-AC1667EBCBE1}">
-              <a14:hiddenEffects xmlns:a14="http://schemas.microsoft.com/office/drawing/2010/main" xmlns="">
+              <a14:hiddenEffects xmlns="" xmlns:a14="http://schemas.microsoft.com/office/drawing/2010/main">
                 <a:effectLst>
                   <a:outerShdw blurRad="63500" dist="38099" dir="2700000" algn="ctr" rotWithShape="0">
                     <a:schemeClr val="bg2">
@@ -9992,50 +9937,20 @@
               </a:spcBef>
             </a:pPr>
             <a:r>
+              <a:rPr lang="en-US" sz="2000" dirty="0" smtClean="0"/>
+              <a:t>LRU </a:t>
+            </a:r>
+            <a:r>
               <a:rPr lang="en-US" sz="2000" dirty="0"/>
-              <a:t>Figure 3-</a:t>
-            </a:r>
-            <a:r>
-              <a:rPr lang="en-US" sz="2000" dirty="0" smtClean="0"/>
-              <a:t>17. </a:t>
-            </a:r>
-            <a:r>
-              <a:rPr lang="en-US" sz="2000" dirty="0"/>
-              <a:t>The aging algorithm simulates LRU in software. Shown are six pages for five clock ticks. The five clock ticks are represented by (a) to (e).</a:t>
-            </a:r>
-          </a:p>
-        </p:txBody>
-      </p:sp>
-      <p:sp>
-        <p:nvSpPr>
-          <p:cNvPr id="9" name="TextBox 8"/>
-          <p:cNvSpPr txBox="1"/>
-          <p:nvPr/>
-        </p:nvSpPr>
-        <p:spPr>
-          <a:xfrm>
-            <a:off x="15407640" y="4846320"/>
-            <a:ext cx="184731" cy="369332"/>
-          </a:xfrm>
-          <a:prstGeom prst="rect">
-            <a:avLst/>
-          </a:prstGeom>
-          <a:noFill/>
-        </p:spPr>
-        <p:txBody>
-          <a:bodyPr wrap="none" rtlCol="0">
-            <a:spAutoFit/>
-          </a:bodyPr>
-          <a:lstStyle/>
-          <a:p>
-            <a:endParaRPr lang="en-US" dirty="0"/>
+              <a:t>using a matrix when pages are referenced in the order 0, 1, 2, 3, 2, 1, 0, 3, 2, 3.</a:t>
+            </a:r>
           </a:p>
         </p:txBody>
       </p:sp>
     </p:spTree>
     <p:extLst>
       <p:ext uri="{BB962C8B-B14F-4D97-AF65-F5344CB8AC3E}">
-        <p14:creationId xmlns:p14="http://schemas.microsoft.com/office/powerpoint/2010/main" val="1765679845"/>
+        <p14:creationId xmlns:p14="http://schemas.microsoft.com/office/powerpoint/2010/main" val="1168335138"/>
       </p:ext>
     </p:extLst>
   </p:cSld>
@@ -10093,139 +10008,42 @@
         </p:nvSpPr>
         <p:spPr>
           <a:xfrm>
-            <a:off x="457200" y="1502586"/>
-            <a:ext cx="8305799" cy="4783914"/>
+            <a:off x="457200" y="1169126"/>
+            <a:ext cx="8229600" cy="5143500"/>
           </a:xfrm>
         </p:spPr>
         <p:txBody>
-          <a:bodyPr/>
-          <a:lstStyle/>
-          <a:p>
-            <a:r>
-              <a:rPr lang="en-US" dirty="0" smtClean="0"/>
-              <a:t>The set of pages a process currently using called </a:t>
-            </a:r>
-            <a:r>
-              <a:rPr lang="en-US" dirty="0" smtClean="0">
+          <a:bodyPr>
+            <a:normAutofit/>
+          </a:bodyPr>
+          <a:lstStyle/>
+          <a:p>
+            <a:r>
+              <a:rPr lang="en-US" sz="2000" dirty="0" smtClean="0"/>
+              <a:t>Software counter associated with each page</a:t>
+            </a:r>
+          </a:p>
+          <a:p>
+            <a:r>
+              <a:rPr lang="en-US" sz="2000" dirty="0" smtClean="0"/>
+              <a:t>Counter shifted right 1 bit, and R bit added in to the leftmost, at each clock interrupt</a:t>
+            </a:r>
+          </a:p>
+          <a:p>
+            <a:pPr lvl="1"/>
+            <a:r>
+              <a:rPr lang="en-US" sz="1600" dirty="0" smtClean="0">
                 <a:solidFill>
                   <a:srgbClr val="0000FF"/>
                 </a:solidFill>
               </a:rPr>
-              <a:t>working set</a:t>
-            </a:r>
-          </a:p>
-          <a:p>
-            <a:pPr lvl="1"/>
-            <a:r>
-              <a:rPr lang="en-US" dirty="0" smtClean="0"/>
-              <a:t>Principle of locality</a:t>
-            </a:r>
-          </a:p>
-          <a:p>
-            <a:pPr lvl="1"/>
-            <a:r>
-              <a:rPr lang="en-US" dirty="0">
-                <a:solidFill>
-                  <a:srgbClr val="0000FF"/>
-                </a:solidFill>
-              </a:rPr>
-              <a:t>Demand </a:t>
-            </a:r>
-            <a:r>
-              <a:rPr lang="en-US" dirty="0" smtClean="0">
-                <a:solidFill>
-                  <a:srgbClr val="0000FF"/>
-                </a:solidFill>
-              </a:rPr>
-              <a:t>paging</a:t>
-            </a:r>
-            <a:r>
-              <a:rPr lang="en-US" dirty="0" smtClean="0"/>
-              <a:t>: pages are loaded only on demand</a:t>
-            </a:r>
-          </a:p>
-          <a:p>
-            <a:pPr lvl="1"/>
-            <a:r>
-              <a:rPr lang="en-US" dirty="0" smtClean="0">
-                <a:solidFill>
-                  <a:srgbClr val="0000FF"/>
-                </a:solidFill>
-              </a:rPr>
-              <a:t>Thrashing: </a:t>
-            </a:r>
-            <a:r>
-              <a:rPr lang="en-US" dirty="0" smtClean="0">
-                <a:solidFill>
-                  <a:srgbClr val="000000"/>
-                </a:solidFill>
-              </a:rPr>
-              <a:t>if a process has frequent page faults e.g. every few instructions</a:t>
-            </a:r>
-          </a:p>
-          <a:p>
-            <a:pPr lvl="1"/>
-            <a:r>
-              <a:rPr lang="en-US" dirty="0" err="1" smtClean="0">
-                <a:solidFill>
-                  <a:srgbClr val="0000FF"/>
-                </a:solidFill>
-              </a:rPr>
-              <a:t>Prepaging</a:t>
-            </a:r>
-            <a:r>
-              <a:rPr lang="en-US" dirty="0" smtClean="0">
-                <a:solidFill>
-                  <a:srgbClr val="0000FF"/>
-                </a:solidFill>
-              </a:rPr>
-              <a:t> </a:t>
-            </a:r>
-            <a:r>
-              <a:rPr lang="en-US" dirty="0" smtClean="0">
-                <a:solidFill>
-                  <a:srgbClr val="000000"/>
-                </a:solidFill>
-              </a:rPr>
-              <a:t>(working set model)</a:t>
-            </a:r>
-          </a:p>
-          <a:p>
-            <a:endParaRPr lang="en-US" dirty="0">
-              <a:solidFill>
-                <a:srgbClr val="0000FF"/>
-              </a:solidFill>
-            </a:endParaRPr>
-          </a:p>
-          <a:p>
-            <a:r>
-              <a:rPr lang="en-US" dirty="0" smtClean="0"/>
-              <a:t>Working set page replacement algorithm</a:t>
-            </a:r>
-          </a:p>
-          <a:p>
-            <a:pPr lvl="1"/>
-            <a:r>
-              <a:rPr lang="en-US" dirty="0" smtClean="0">
-                <a:solidFill>
-                  <a:srgbClr val="000000"/>
-                </a:solidFill>
-              </a:rPr>
-              <a:t>Find </a:t>
-            </a:r>
-            <a:r>
-              <a:rPr lang="en-US" dirty="0" smtClean="0">
-                <a:solidFill>
-                  <a:srgbClr val="0000FF"/>
-                </a:solidFill>
-              </a:rPr>
-              <a:t>a page not in the working set and evict it</a:t>
-            </a:r>
-            <a:endParaRPr lang="en-US" dirty="0">
-              <a:solidFill>
-                <a:srgbClr val="0000FF"/>
-              </a:solidFill>
-            </a:endParaRPr>
+              <a:t>Not exact LRU</a:t>
+            </a:r>
+            <a:r>
+              <a:rPr lang="en-US" sz="1600" dirty="0" smtClean="0"/>
+              <a:t>, e.g. pages 3 and 5 after not referenced a while</a:t>
+            </a:r>
+            <a:endParaRPr lang="en-US" sz="1600" dirty="0"/>
           </a:p>
         </p:txBody>
       </p:sp>
@@ -10246,7 +10064,7 @@
           <a:p>
             <a:fld id="{C94E3762-5D8A-3A4E-B6DB-2FE9B8FB070F}" type="datetime1">
               <a:rPr lang="en-US" smtClean="0"/>
-              <a:t>10/30/18</a:t>
+              <a:t>11/1/18</a:t>
             </a:fld>
             <a:endParaRPr lang="en-US"/>
           </a:p>
@@ -10308,38 +10126,194 @@
             <p:ph type="title"/>
           </p:nvPr>
         </p:nvSpPr>
-        <p:spPr/>
-        <p:txBody>
-          <a:bodyPr/>
-          <a:lstStyle/>
-          <a:p>
-            <a:r>
-              <a:rPr lang="en-US" dirty="0">
-                <a:solidFill>
-                  <a:srgbClr val="000000"/>
-                </a:solidFill>
-              </a:rPr>
-              <a:t>Working Set Page Replacement (1)</a:t>
+        <p:spPr>
+          <a:xfrm>
+            <a:off x="457200" y="480787"/>
+            <a:ext cx="8229600" cy="920972"/>
+          </a:xfrm>
+        </p:spPr>
+        <p:txBody>
+          <a:bodyPr/>
+          <a:lstStyle/>
+          <a:p>
+            <a:r>
+              <a:rPr lang="en-US" sz="2400" dirty="0"/>
+              <a:t>Simulating LRU in </a:t>
+            </a:r>
+            <a:r>
+              <a:rPr lang="en-US" sz="2400" dirty="0" smtClean="0"/>
+              <a:t>Software </a:t>
+            </a:r>
+            <a:r>
+              <a:rPr lang="en-US" dirty="0" smtClean="0"/>
+              <a:t>– </a:t>
+            </a:r>
+            <a:r>
+              <a:rPr lang="en-US" b="1" dirty="0" smtClean="0"/>
+              <a:t>Aging</a:t>
+            </a:r>
+            <a:r>
+              <a:rPr lang="en-US" dirty="0" smtClean="0"/>
+              <a:t> Algorithm</a:t>
+            </a:r>
+            <a:r>
+              <a:rPr lang="en-US" dirty="0"/>
+              <a:t/>
             </a:r>
             <a:br>
-              <a:rPr lang="en-US" dirty="0">
-                <a:solidFill>
-                  <a:srgbClr val="000000"/>
-                </a:solidFill>
-              </a:rPr>
+              <a:rPr lang="en-US" dirty="0"/>
             </a:br>
-            <a:endParaRPr lang="en-US" dirty="0">
-              <a:solidFill>
-                <a:srgbClr val="000000"/>
-              </a:solidFill>
-            </a:endParaRPr>
+            <a:endParaRPr lang="en-US" dirty="0"/>
+          </a:p>
+        </p:txBody>
+      </p:sp>
+      <p:pic>
+        <p:nvPicPr>
+          <p:cNvPr id="7" name="Picture 6" descr="D:\b\b4\IBM\03-18.jpg"/>
+          <p:cNvPicPr>
+            <a:picLocks noChangeAspect="1" noChangeArrowheads="1"/>
+          </p:cNvPicPr>
+          <p:nvPr/>
+        </p:nvPicPr>
+        <p:blipFill>
+          <a:blip r:embed="rId3">
+            <a:extLst>
+              <a:ext uri="{28A0092B-C50C-407E-A947-70E740481C1C}">
+                <a14:useLocalDpi xmlns:a14="http://schemas.microsoft.com/office/drawing/2010/main" val="0"/>
+              </a:ext>
+            </a:extLst>
+          </a:blip>
+          <a:srcRect/>
+          <a:stretch>
+            <a:fillRect/>
+          </a:stretch>
+        </p:blipFill>
+        <p:spPr bwMode="auto">
+          <a:xfrm>
+            <a:off x="1487943" y="2483473"/>
+            <a:ext cx="5941558" cy="3415925"/>
+          </a:xfrm>
+          <a:prstGeom prst="rect">
+            <a:avLst/>
+          </a:prstGeom>
+          <a:noFill/>
+          <a:extLst>
+            <a:ext uri="{909E8E84-426E-40dd-AFC4-6F175D3DCCD1}">
+              <a14:hiddenFill xmlns="" xmlns:a14="http://schemas.microsoft.com/office/drawing/2010/main">
+                <a:solidFill>
+                  <a:srgbClr val="FFFFFF"/>
+                </a:solidFill>
+              </a14:hiddenFill>
+            </a:ext>
+          </a:extLst>
+        </p:spPr>
+      </p:pic>
+      <p:sp>
+        <p:nvSpPr>
+          <p:cNvPr id="8" name="Rectangle 2"/>
+          <p:cNvSpPr>
+            <a:spLocks noChangeArrowheads="1"/>
+          </p:cNvSpPr>
+          <p:nvPr/>
+        </p:nvSpPr>
+        <p:spPr bwMode="auto">
+          <a:xfrm>
+            <a:off x="0" y="5807075"/>
+            <a:ext cx="9144000" cy="838200"/>
+          </a:xfrm>
+          <a:prstGeom prst="rect">
+            <a:avLst/>
+          </a:prstGeom>
+          <a:noFill/>
+          <a:ln>
+            <a:noFill/>
+          </a:ln>
+          <a:effectLst/>
+          <a:extLst>
+            <a:ext uri="{909E8E84-426E-40dd-AFC4-6F175D3DCCD1}">
+              <a14:hiddenFill xmlns="" xmlns:a14="http://schemas.microsoft.com/office/drawing/2010/main">
+                <a:solidFill>
+                  <a:schemeClr val="accent1"/>
+                </a:solidFill>
+              </a14:hiddenFill>
+            </a:ext>
+            <a:ext uri="{91240B29-F687-4f45-9708-019B960494DF}">
+              <a14:hiddenLine xmlns="" xmlns:a14="http://schemas.microsoft.com/office/drawing/2010/main" w="9525">
+                <a:solidFill>
+                  <a:schemeClr val="tx1"/>
+                </a:solidFill>
+                <a:miter lim="800000"/>
+                <a:headEnd/>
+                <a:tailEnd/>
+              </a14:hiddenLine>
+            </a:ext>
+            <a:ext uri="{AF507438-7753-43e0-B8FC-AC1667EBCBE1}">
+              <a14:hiddenEffects xmlns="" xmlns:a14="http://schemas.microsoft.com/office/drawing/2010/main">
+                <a:effectLst>
+                  <a:outerShdw blurRad="63500" dist="38099" dir="2700000" algn="ctr" rotWithShape="0">
+                    <a:schemeClr val="bg2">
+                      <a:alpha val="74998"/>
+                    </a:schemeClr>
+                  </a:outerShdw>
+                </a:effectLst>
+              </a14:hiddenEffects>
+            </a:ext>
+          </a:extLst>
+        </p:spPr>
+        <p:txBody>
+          <a:bodyPr lIns="92075" tIns="46038" rIns="92075" bIns="46038"/>
+          <a:lstStyle/>
+          <a:p>
+            <a:pPr marL="609600" indent="-609600" algn="ctr">
+              <a:spcBef>
+                <a:spcPct val="20000"/>
+              </a:spcBef>
+            </a:pPr>
+            <a:r>
+              <a:rPr lang="en-US" sz="2000" dirty="0"/>
+              <a:t>Figure 3-</a:t>
+            </a:r>
+            <a:r>
+              <a:rPr lang="en-US" sz="2000" dirty="0" smtClean="0"/>
+              <a:t>17. </a:t>
+            </a:r>
+            <a:r>
+              <a:rPr lang="en-US" sz="2000" dirty="0"/>
+              <a:t>The aging algorithm simulates LRU in software. Shown are six pages for five clock ticks. The five clock ticks are represented by (a) to (e).</a:t>
+            </a:r>
+          </a:p>
+        </p:txBody>
+      </p:sp>
+      <p:sp>
+        <p:nvSpPr>
+          <p:cNvPr id="9" name="TextBox 8"/>
+          <p:cNvSpPr txBox="1"/>
+          <p:nvPr/>
+        </p:nvSpPr>
+        <p:spPr>
+          <a:xfrm>
+            <a:off x="15407640" y="4846320"/>
+            <a:ext cx="184731" cy="369332"/>
+          </a:xfrm>
+          <a:prstGeom prst="rect">
+            <a:avLst/>
+          </a:prstGeom>
+          <a:noFill/>
+        </p:spPr>
+        <p:txBody>
+          <a:bodyPr wrap="none" rtlCol="0">
+            <a:spAutoFit/>
+          </a:bodyPr>
+          <a:lstStyle/>
+          <a:p>
+            <a:endParaRPr lang="en-US" dirty="0"/>
           </a:p>
         </p:txBody>
       </p:sp>
     </p:spTree>
     <p:extLst>
       <p:ext uri="{BB962C8B-B14F-4D97-AF65-F5344CB8AC3E}">
-        <p14:creationId xmlns:p14="http://schemas.microsoft.com/office/powerpoint/2010/main" val="1852120669"/>
+        <p14:creationId xmlns:p14="http://schemas.microsoft.com/office/powerpoint/2010/main" val="1765679845"/>
       </p:ext>
     </p:extLst>
   </p:cSld>
@@ -10387,6 +10361,154 @@
       </p:grpSpPr>
       <p:sp>
         <p:nvSpPr>
+          <p:cNvPr id="2" name="Content Placeholder 1"/>
+          <p:cNvSpPr>
+            <a:spLocks noGrp="1"/>
+          </p:cNvSpPr>
+          <p:nvPr>
+            <p:ph idx="1"/>
+          </p:nvPr>
+        </p:nvSpPr>
+        <p:spPr>
+          <a:xfrm>
+            <a:off x="457200" y="1502586"/>
+            <a:ext cx="8305799" cy="4783914"/>
+          </a:xfrm>
+        </p:spPr>
+        <p:txBody>
+          <a:bodyPr/>
+          <a:lstStyle/>
+          <a:p>
+            <a:r>
+              <a:rPr lang="en-US" dirty="0" smtClean="0"/>
+              <a:t>The set of pages a process currently using called </a:t>
+            </a:r>
+            <a:r>
+              <a:rPr lang="en-US" dirty="0" smtClean="0">
+                <a:solidFill>
+                  <a:srgbClr val="0000FF"/>
+                </a:solidFill>
+              </a:rPr>
+              <a:t>working set</a:t>
+            </a:r>
+          </a:p>
+          <a:p>
+            <a:pPr lvl="1"/>
+            <a:r>
+              <a:rPr lang="en-US" dirty="0" smtClean="0"/>
+              <a:t>Principle of locality</a:t>
+            </a:r>
+          </a:p>
+          <a:p>
+            <a:pPr lvl="1"/>
+            <a:r>
+              <a:rPr lang="en-US" dirty="0">
+                <a:solidFill>
+                  <a:srgbClr val="0000FF"/>
+                </a:solidFill>
+              </a:rPr>
+              <a:t>Demand </a:t>
+            </a:r>
+            <a:r>
+              <a:rPr lang="en-US" dirty="0" smtClean="0">
+                <a:solidFill>
+                  <a:srgbClr val="0000FF"/>
+                </a:solidFill>
+              </a:rPr>
+              <a:t>paging</a:t>
+            </a:r>
+            <a:r>
+              <a:rPr lang="en-US" dirty="0" smtClean="0"/>
+              <a:t>: pages are loaded only on demand</a:t>
+            </a:r>
+          </a:p>
+          <a:p>
+            <a:pPr lvl="1"/>
+            <a:r>
+              <a:rPr lang="en-US" dirty="0" smtClean="0">
+                <a:solidFill>
+                  <a:srgbClr val="0000FF"/>
+                </a:solidFill>
+              </a:rPr>
+              <a:t>Thrashing: </a:t>
+            </a:r>
+            <a:r>
+              <a:rPr lang="en-US" dirty="0" smtClean="0">
+                <a:solidFill>
+                  <a:srgbClr val="000000"/>
+                </a:solidFill>
+              </a:rPr>
+              <a:t>if a process has frequent page faults e.g. every few instructions</a:t>
+            </a:r>
+          </a:p>
+          <a:p>
+            <a:pPr lvl="1"/>
+            <a:r>
+              <a:rPr lang="en-US" dirty="0" err="1" smtClean="0">
+                <a:solidFill>
+                  <a:srgbClr val="0000FF"/>
+                </a:solidFill>
+              </a:rPr>
+              <a:t>Prepaging</a:t>
+            </a:r>
+            <a:r>
+              <a:rPr lang="en-US" dirty="0" smtClean="0">
+                <a:solidFill>
+                  <a:srgbClr val="0000FF"/>
+                </a:solidFill>
+              </a:rPr>
+              <a:t> </a:t>
+            </a:r>
+            <a:r>
+              <a:rPr lang="en-US" dirty="0" smtClean="0">
+                <a:solidFill>
+                  <a:srgbClr val="000000"/>
+                </a:solidFill>
+              </a:rPr>
+              <a:t>(working set model)</a:t>
+            </a:r>
+          </a:p>
+          <a:p>
+            <a:endParaRPr lang="en-US" dirty="0">
+              <a:solidFill>
+                <a:srgbClr val="0000FF"/>
+              </a:solidFill>
+            </a:endParaRPr>
+          </a:p>
+          <a:p>
+            <a:r>
+              <a:rPr lang="en-US" dirty="0" smtClean="0"/>
+              <a:t>Working set page replacement algorithm</a:t>
+            </a:r>
+          </a:p>
+          <a:p>
+            <a:pPr lvl="1"/>
+            <a:r>
+              <a:rPr lang="en-US" dirty="0" smtClean="0">
+                <a:solidFill>
+                  <a:srgbClr val="000000"/>
+                </a:solidFill>
+              </a:rPr>
+              <a:t>Find </a:t>
+            </a:r>
+            <a:r>
+              <a:rPr lang="en-US" dirty="0" smtClean="0">
+                <a:solidFill>
+                  <a:srgbClr val="0000FF"/>
+                </a:solidFill>
+              </a:rPr>
+              <a:t>a page not in the working set and evict it</a:t>
+            </a:r>
+            <a:endParaRPr lang="en-US" dirty="0">
+              <a:solidFill>
+                <a:srgbClr val="0000FF"/>
+              </a:solidFill>
+            </a:endParaRPr>
+          </a:p>
+        </p:txBody>
+      </p:sp>
+      <p:sp>
+        <p:nvSpPr>
           <p:cNvPr id="3" name="Date Placeholder 2"/>
           <p:cNvSpPr>
             <a:spLocks noGrp="1"/>
@@ -10402,7 +10524,7 @@
           <a:p>
             <a:fld id="{C94E3762-5D8A-3A4E-B6DB-2FE9B8FB070F}" type="datetime1">
               <a:rPr lang="en-US" smtClean="0"/>
-              <a:t>10/30/18</a:t>
+              <a:t>11/1/18</a:t>
             </a:fld>
             <a:endParaRPr lang="en-US"/>
           </a:p>
@@ -10470,203 +10592,32 @@
           <a:lstStyle/>
           <a:p>
             <a:r>
-              <a:rPr lang="en-US" dirty="0"/>
-              <a:t>Working Set Page Replacement (2)</a:t>
-            </a:r>
-          </a:p>
-        </p:txBody>
-      </p:sp>
-      <p:pic>
-        <p:nvPicPr>
-          <p:cNvPr id="7" name="Picture 6" descr="D:\b\b4\IBM\03-20.jpg"/>
-          <p:cNvPicPr>
-            <a:picLocks noChangeAspect="1" noChangeArrowheads="1"/>
-          </p:cNvPicPr>
-          <p:nvPr/>
-        </p:nvPicPr>
-        <p:blipFill>
-          <a:blip r:embed="rId3">
-            <a:extLst>
-              <a:ext uri="{28A0092B-C50C-407E-A947-70E740481C1C}">
-                <a14:useLocalDpi xmlns:a14="http://schemas.microsoft.com/office/drawing/2010/main" val="0"/>
-              </a:ext>
-            </a:extLst>
-          </a:blip>
-          <a:srcRect/>
-          <a:stretch>
-            <a:fillRect/>
-          </a:stretch>
-        </p:blipFill>
-        <p:spPr bwMode="auto">
-          <a:xfrm>
-            <a:off x="619353" y="1553553"/>
-            <a:ext cx="6873875" cy="3978275"/>
-          </a:xfrm>
-          <a:prstGeom prst="rect">
-            <a:avLst/>
-          </a:prstGeom>
-          <a:noFill/>
-          <a:extLst>
-            <a:ext uri="{909E8E84-426E-40dd-AFC4-6F175D3DCCD1}">
-              <a14:hiddenFill xmlns:a14="http://schemas.microsoft.com/office/drawing/2010/main" xmlns="">
-                <a:solidFill>
-                  <a:srgbClr val="FFFFFF"/>
-                </a:solidFill>
-              </a14:hiddenFill>
-            </a:ext>
-          </a:extLst>
-        </p:spPr>
-      </p:pic>
-      <p:sp>
-        <p:nvSpPr>
-          <p:cNvPr id="8" name="Rectangle 2"/>
-          <p:cNvSpPr>
-            <a:spLocks noChangeArrowheads="1"/>
-          </p:cNvSpPr>
-          <p:nvPr/>
-        </p:nvSpPr>
-        <p:spPr bwMode="auto">
-          <a:xfrm>
-            <a:off x="0" y="5693067"/>
-            <a:ext cx="9144000" cy="752475"/>
-          </a:xfrm>
-          <a:prstGeom prst="rect">
-            <a:avLst/>
-          </a:prstGeom>
-          <a:noFill/>
-          <a:ln>
-            <a:noFill/>
-          </a:ln>
-          <a:effectLst/>
-          <a:extLst>
-            <a:ext uri="{909E8E84-426E-40dd-AFC4-6F175D3DCCD1}">
-              <a14:hiddenFill xmlns:a14="http://schemas.microsoft.com/office/drawing/2010/main" xmlns="">
-                <a:solidFill>
-                  <a:schemeClr val="accent1"/>
-                </a:solidFill>
-              </a14:hiddenFill>
-            </a:ext>
-            <a:ext uri="{91240B29-F687-4f45-9708-019B960494DF}">
-              <a14:hiddenLine xmlns:a14="http://schemas.microsoft.com/office/drawing/2010/main" xmlns="" w="9525">
-                <a:solidFill>
-                  <a:schemeClr val="tx1"/>
-                </a:solidFill>
-                <a:miter lim="800000"/>
-                <a:headEnd/>
-                <a:tailEnd/>
-              </a14:hiddenLine>
-            </a:ext>
-            <a:ext uri="{AF507438-7753-43e0-B8FC-AC1667EBCBE1}">
-              <a14:hiddenEffects xmlns:a14="http://schemas.microsoft.com/office/drawing/2010/main" xmlns="">
-                <a:effectLst>
-                  <a:outerShdw blurRad="63500" dist="38099" dir="2700000" algn="ctr" rotWithShape="0">
-                    <a:schemeClr val="bg2">
-                      <a:alpha val="74998"/>
-                    </a:schemeClr>
-                  </a:outerShdw>
-                </a:effectLst>
-              </a14:hiddenEffects>
-            </a:ext>
-          </a:extLst>
-        </p:spPr>
-        <p:txBody>
-          <a:bodyPr lIns="92075" tIns="46038" rIns="92075" bIns="46038"/>
-          <a:lstStyle/>
-          <a:p>
-            <a:pPr marL="609600" indent="-609600" algn="ctr">
-              <a:spcBef>
-                <a:spcPct val="20000"/>
-              </a:spcBef>
-            </a:pPr>
-            <a:r>
-              <a:rPr lang="en-US" sz="2000" dirty="0"/>
-              <a:t>Figure 3</a:t>
-            </a:r>
-            <a:r>
-              <a:rPr lang="en-US" sz="2000" dirty="0" smtClean="0"/>
-              <a:t>-19. </a:t>
-            </a:r>
-            <a:r>
-              <a:rPr lang="en-US" sz="2000" dirty="0"/>
-              <a:t>The working set algorithm.</a:t>
-            </a:r>
-          </a:p>
-        </p:txBody>
-      </p:sp>
-      <p:sp>
-        <p:nvSpPr>
-          <p:cNvPr id="2" name="TextBox 1"/>
-          <p:cNvSpPr txBox="1"/>
-          <p:nvPr/>
-        </p:nvSpPr>
-        <p:spPr>
-          <a:xfrm>
-            <a:off x="5809208" y="1950187"/>
-            <a:ext cx="3368040" cy="1323439"/>
-          </a:xfrm>
-          <a:prstGeom prst="rect">
-            <a:avLst/>
-          </a:prstGeom>
-          <a:noFill/>
-        </p:spPr>
-        <p:txBody>
-          <a:bodyPr wrap="square" rtlCol="0">
-            <a:spAutoFit/>
-          </a:bodyPr>
-          <a:lstStyle/>
-          <a:p>
-            <a:r>
-              <a:rPr lang="en-US" sz="1600" dirty="0" smtClean="0">
-                <a:solidFill>
-                  <a:srgbClr val="0000FF"/>
+              <a:rPr lang="en-US" dirty="0">
+                <a:solidFill>
+                  <a:srgbClr val="000000"/>
                 </a:solidFill>
               </a:rPr>
-              <a:t>Current virtual time</a:t>
-            </a:r>
-            <a:r>
-              <a:rPr lang="en-US" sz="1600" dirty="0" smtClean="0"/>
-              <a:t>: amount of CPU time a process has used since started</a:t>
-            </a:r>
-          </a:p>
-          <a:p>
-            <a:endParaRPr lang="en-US" sz="1600" dirty="0" smtClean="0"/>
-          </a:p>
-          <a:p>
-            <a:r>
-              <a:rPr lang="en-US" sz="1600" dirty="0" smtClean="0">
-                <a:solidFill>
-                  <a:srgbClr val="FF0000"/>
+              <a:t>Working Set Page Replacement (1)</a:t>
+            </a:r>
+            <a:br>
+              <a:rPr lang="en-US" dirty="0">
+                <a:solidFill>
+                  <a:srgbClr val="000000"/>
                 </a:solidFill>
               </a:rPr>
-              <a:t>On clock interrupt, set all R = 0</a:t>
-            </a:r>
-            <a:endParaRPr lang="en-US" sz="1600" dirty="0">
+            </a:br>
+            <a:endParaRPr lang="en-US" dirty="0">
               <a:solidFill>
-                <a:srgbClr val="FF0000"/>
+                <a:srgbClr val="000000"/>
               </a:solidFill>
             </a:endParaRPr>
-          </a:p>
-          <a:p>
-            <a:r>
-              <a:rPr lang="en-US" sz="1600" dirty="0" err="1" smtClean="0">
-                <a:solidFill>
-                  <a:srgbClr val="0000FF"/>
-                </a:solidFill>
-              </a:rPr>
-              <a:t>τ</a:t>
-            </a:r>
-            <a:r>
-              <a:rPr lang="en-US" sz="1600" dirty="0" smtClean="0"/>
-              <a:t>: a threshold for defining working set</a:t>
-            </a:r>
-            <a:endParaRPr lang="en-US" sz="1600" dirty="0"/>
           </a:p>
         </p:txBody>
       </p:sp>
     </p:spTree>
     <p:extLst>
       <p:ext uri="{BB962C8B-B14F-4D97-AF65-F5344CB8AC3E}">
-        <p14:creationId xmlns:p14="http://schemas.microsoft.com/office/powerpoint/2010/main" val="816620618"/>
+        <p14:creationId xmlns:p14="http://schemas.microsoft.com/office/powerpoint/2010/main" val="1852120669"/>
       </p:ext>
     </p:extLst>
   </p:cSld>
@@ -10729,7 +10680,7 @@
           <a:p>
             <a:fld id="{C94E3762-5D8A-3A4E-B6DB-2FE9B8FB070F}" type="datetime1">
               <a:rPr lang="en-US" smtClean="0"/>
-              <a:t>10/30/18</a:t>
+              <a:t>11/1/18</a:t>
             </a:fld>
             <a:endParaRPr lang="en-US"/>
           </a:p>
@@ -10776,6 +10727,333 @@
             <a:fld id="{D2DB48A1-B5F2-D944-9563-BD7B04ADBA09}" type="slidenum">
               <a:rPr lang="en-US" smtClean="0"/>
               <a:t>25</a:t>
+            </a:fld>
+            <a:endParaRPr lang="en-US"/>
+          </a:p>
+        </p:txBody>
+      </p:sp>
+      <p:sp>
+        <p:nvSpPr>
+          <p:cNvPr id="6" name="Title 5"/>
+          <p:cNvSpPr>
+            <a:spLocks noGrp="1"/>
+          </p:cNvSpPr>
+          <p:nvPr>
+            <p:ph type="title"/>
+          </p:nvPr>
+        </p:nvSpPr>
+        <p:spPr/>
+        <p:txBody>
+          <a:bodyPr/>
+          <a:lstStyle/>
+          <a:p>
+            <a:r>
+              <a:rPr lang="en-US" dirty="0"/>
+              <a:t>Working Set Page Replacement (2)</a:t>
+            </a:r>
+          </a:p>
+        </p:txBody>
+      </p:sp>
+      <p:pic>
+        <p:nvPicPr>
+          <p:cNvPr id="7" name="Picture 6" descr="D:\b\b4\IBM\03-20.jpg"/>
+          <p:cNvPicPr>
+            <a:picLocks noChangeAspect="1" noChangeArrowheads="1"/>
+          </p:cNvPicPr>
+          <p:nvPr/>
+        </p:nvPicPr>
+        <p:blipFill>
+          <a:blip r:embed="rId3">
+            <a:extLst>
+              <a:ext uri="{28A0092B-C50C-407E-A947-70E740481C1C}">
+                <a14:useLocalDpi xmlns:a14="http://schemas.microsoft.com/office/drawing/2010/main" val="0"/>
+              </a:ext>
+            </a:extLst>
+          </a:blip>
+          <a:srcRect/>
+          <a:stretch>
+            <a:fillRect/>
+          </a:stretch>
+        </p:blipFill>
+        <p:spPr bwMode="auto">
+          <a:xfrm>
+            <a:off x="619353" y="1553553"/>
+            <a:ext cx="6873875" cy="3978275"/>
+          </a:xfrm>
+          <a:prstGeom prst="rect">
+            <a:avLst/>
+          </a:prstGeom>
+          <a:noFill/>
+          <a:extLst>
+            <a:ext uri="{909E8E84-426E-40dd-AFC4-6F175D3DCCD1}">
+              <a14:hiddenFill xmlns="" xmlns:a14="http://schemas.microsoft.com/office/drawing/2010/main">
+                <a:solidFill>
+                  <a:srgbClr val="FFFFFF"/>
+                </a:solidFill>
+              </a14:hiddenFill>
+            </a:ext>
+          </a:extLst>
+        </p:spPr>
+      </p:pic>
+      <p:sp>
+        <p:nvSpPr>
+          <p:cNvPr id="8" name="Rectangle 2"/>
+          <p:cNvSpPr>
+            <a:spLocks noChangeArrowheads="1"/>
+          </p:cNvSpPr>
+          <p:nvPr/>
+        </p:nvSpPr>
+        <p:spPr bwMode="auto">
+          <a:xfrm>
+            <a:off x="0" y="5693067"/>
+            <a:ext cx="9144000" cy="752475"/>
+          </a:xfrm>
+          <a:prstGeom prst="rect">
+            <a:avLst/>
+          </a:prstGeom>
+          <a:noFill/>
+          <a:ln>
+            <a:noFill/>
+          </a:ln>
+          <a:effectLst/>
+          <a:extLst>
+            <a:ext uri="{909E8E84-426E-40dd-AFC4-6F175D3DCCD1}">
+              <a14:hiddenFill xmlns="" xmlns:a14="http://schemas.microsoft.com/office/drawing/2010/main">
+                <a:solidFill>
+                  <a:schemeClr val="accent1"/>
+                </a:solidFill>
+              </a14:hiddenFill>
+            </a:ext>
+            <a:ext uri="{91240B29-F687-4f45-9708-019B960494DF}">
+              <a14:hiddenLine xmlns="" xmlns:a14="http://schemas.microsoft.com/office/drawing/2010/main" w="9525">
+                <a:solidFill>
+                  <a:schemeClr val="tx1"/>
+                </a:solidFill>
+                <a:miter lim="800000"/>
+                <a:headEnd/>
+                <a:tailEnd/>
+              </a14:hiddenLine>
+            </a:ext>
+            <a:ext uri="{AF507438-7753-43e0-B8FC-AC1667EBCBE1}">
+              <a14:hiddenEffects xmlns="" xmlns:a14="http://schemas.microsoft.com/office/drawing/2010/main">
+                <a:effectLst>
+                  <a:outerShdw blurRad="63500" dist="38099" dir="2700000" algn="ctr" rotWithShape="0">
+                    <a:schemeClr val="bg2">
+                      <a:alpha val="74998"/>
+                    </a:schemeClr>
+                  </a:outerShdw>
+                </a:effectLst>
+              </a14:hiddenEffects>
+            </a:ext>
+          </a:extLst>
+        </p:spPr>
+        <p:txBody>
+          <a:bodyPr lIns="92075" tIns="46038" rIns="92075" bIns="46038"/>
+          <a:lstStyle/>
+          <a:p>
+            <a:pPr marL="609600" indent="-609600" algn="ctr">
+              <a:spcBef>
+                <a:spcPct val="20000"/>
+              </a:spcBef>
+            </a:pPr>
+            <a:r>
+              <a:rPr lang="en-US" sz="2000" dirty="0"/>
+              <a:t>Figure 3</a:t>
+            </a:r>
+            <a:r>
+              <a:rPr lang="en-US" sz="2000" dirty="0" smtClean="0"/>
+              <a:t>-19. </a:t>
+            </a:r>
+            <a:r>
+              <a:rPr lang="en-US" sz="2000" dirty="0"/>
+              <a:t>The working set algorithm.</a:t>
+            </a:r>
+          </a:p>
+        </p:txBody>
+      </p:sp>
+      <p:sp>
+        <p:nvSpPr>
+          <p:cNvPr id="2" name="TextBox 1"/>
+          <p:cNvSpPr txBox="1"/>
+          <p:nvPr/>
+        </p:nvSpPr>
+        <p:spPr>
+          <a:xfrm>
+            <a:off x="5809208" y="1950187"/>
+            <a:ext cx="3368040" cy="1323439"/>
+          </a:xfrm>
+          <a:prstGeom prst="rect">
+            <a:avLst/>
+          </a:prstGeom>
+          <a:noFill/>
+        </p:spPr>
+        <p:txBody>
+          <a:bodyPr wrap="square" rtlCol="0">
+            <a:spAutoFit/>
+          </a:bodyPr>
+          <a:lstStyle/>
+          <a:p>
+            <a:r>
+              <a:rPr lang="en-US" sz="1600" dirty="0" smtClean="0">
+                <a:solidFill>
+                  <a:srgbClr val="0000FF"/>
+                </a:solidFill>
+              </a:rPr>
+              <a:t>Current virtual time</a:t>
+            </a:r>
+            <a:r>
+              <a:rPr lang="en-US" sz="1600" dirty="0" smtClean="0"/>
+              <a:t>: amount of CPU time a process has used since started</a:t>
+            </a:r>
+          </a:p>
+          <a:p>
+            <a:endParaRPr lang="en-US" sz="1600" dirty="0" smtClean="0"/>
+          </a:p>
+          <a:p>
+            <a:r>
+              <a:rPr lang="en-US" sz="1600" dirty="0" smtClean="0">
+                <a:solidFill>
+                  <a:srgbClr val="FF0000"/>
+                </a:solidFill>
+              </a:rPr>
+              <a:t>On clock interrupt, set all R = 0</a:t>
+            </a:r>
+            <a:endParaRPr lang="en-US" sz="1600" dirty="0">
+              <a:solidFill>
+                <a:srgbClr val="FF0000"/>
+              </a:solidFill>
+            </a:endParaRPr>
+          </a:p>
+          <a:p>
+            <a:r>
+              <a:rPr lang="en-US" sz="1600" dirty="0" err="1" smtClean="0">
+                <a:solidFill>
+                  <a:srgbClr val="0000FF"/>
+                </a:solidFill>
+              </a:rPr>
+              <a:t>τ</a:t>
+            </a:r>
+            <a:r>
+              <a:rPr lang="en-US" sz="1600" dirty="0" smtClean="0"/>
+              <a:t>: a threshold for defining working set</a:t>
+            </a:r>
+            <a:endParaRPr lang="en-US" sz="1600" dirty="0"/>
+          </a:p>
+        </p:txBody>
+      </p:sp>
+    </p:spTree>
+    <p:extLst>
+      <p:ext uri="{BB962C8B-B14F-4D97-AF65-F5344CB8AC3E}">
+        <p14:creationId xmlns:p14="http://schemas.microsoft.com/office/powerpoint/2010/main" val="816620618"/>
+      </p:ext>
+    </p:extLst>
+  </p:cSld>
+  <p:clrMapOvr>
+    <a:masterClrMapping/>
+  </p:clrMapOvr>
+  <mc:AlternateContent xmlns:mc="http://schemas.openxmlformats.org/markup-compatibility/2006" xmlns:p14="http://schemas.microsoft.com/office/powerpoint/2010/main">
+    <mc:Choice Requires="p14">
+      <p:transition spd="med" p14:dur="700">
+        <p:push dir="u"/>
+      </p:transition>
+    </mc:Choice>
+    <mc:Fallback xmlns="">
+      <p:transition xmlns:p14="http://schemas.microsoft.com/office/powerpoint/2010/main" spd="med">
+        <p:push dir="u"/>
+      </p:transition>
+    </mc:Fallback>
+  </mc:AlternateContent>
+  <p:timing>
+    <p:tnLst>
+      <p:par>
+        <p:cTn id="1" dur="indefinite" restart="never" nodeType="tmRoot"/>
+      </p:par>
+    </p:tnLst>
+  </p:timing>
+</p:sld>
+</file>
+
+<file path=ppt/slides/slide26.xml><?xml version="1.0" encoding="utf-8"?>
+<p:sld xmlns:a="http://schemas.openxmlformats.org/drawingml/2006/main" xmlns:r="http://schemas.openxmlformats.org/officeDocument/2006/relationships" xmlns:p="http://schemas.openxmlformats.org/presentationml/2006/main">
+  <p:cSld>
+    <p:spTree>
+      <p:nvGrpSpPr>
+        <p:cNvPr id="1" name=""/>
+        <p:cNvGrpSpPr/>
+        <p:nvPr/>
+      </p:nvGrpSpPr>
+      <p:grpSpPr>
+        <a:xfrm>
+          <a:off x="0" y="0"/>
+          <a:ext cx="0" cy="0"/>
+          <a:chOff x="0" y="0"/>
+          <a:chExt cx="0" cy="0"/>
+        </a:xfrm>
+      </p:grpSpPr>
+      <p:sp>
+        <p:nvSpPr>
+          <p:cNvPr id="3" name="Date Placeholder 2"/>
+          <p:cNvSpPr>
+            <a:spLocks noGrp="1"/>
+          </p:cNvSpPr>
+          <p:nvPr>
+            <p:ph type="dt" sz="half" idx="10"/>
+          </p:nvPr>
+        </p:nvSpPr>
+        <p:spPr/>
+        <p:txBody>
+          <a:bodyPr/>
+          <a:lstStyle/>
+          <a:p>
+            <a:fld id="{C94E3762-5D8A-3A4E-B6DB-2FE9B8FB070F}" type="datetime1">
+              <a:rPr lang="en-US" smtClean="0"/>
+              <a:t>11/1/18</a:t>
+            </a:fld>
+            <a:endParaRPr lang="en-US"/>
+          </a:p>
+        </p:txBody>
+      </p:sp>
+      <p:sp>
+        <p:nvSpPr>
+          <p:cNvPr id="4" name="Footer Placeholder 3"/>
+          <p:cNvSpPr>
+            <a:spLocks noGrp="1"/>
+          </p:cNvSpPr>
+          <p:nvPr>
+            <p:ph type="ftr" sz="quarter" idx="11"/>
+          </p:nvPr>
+        </p:nvSpPr>
+        <p:spPr/>
+        <p:txBody>
+          <a:bodyPr/>
+          <a:lstStyle/>
+          <a:p>
+            <a:r>
+              <a:rPr lang="en-US" smtClean="0"/>
+              <a:t>Yong Chen, Texas Tech University</a:t>
+            </a:r>
+            <a:endParaRPr lang="en-US" dirty="0" smtClean="0"/>
+          </a:p>
+        </p:txBody>
+      </p:sp>
+      <p:sp>
+        <p:nvSpPr>
+          <p:cNvPr id="5" name="Slide Number Placeholder 4"/>
+          <p:cNvSpPr>
+            <a:spLocks noGrp="1"/>
+          </p:cNvSpPr>
+          <p:nvPr>
+            <p:ph type="sldNum" sz="quarter" idx="12"/>
+          </p:nvPr>
+        </p:nvSpPr>
+        <p:spPr/>
+        <p:txBody>
+          <a:bodyPr/>
+          <a:lstStyle/>
+          <a:p>
+            <a:fld id="{D2DB48A1-B5F2-D944-9563-BD7B04ADBA09}" type="slidenum">
+              <a:rPr lang="en-US" smtClean="0"/>
+              <a:t>26</a:t>
             </a:fld>
             <a:endParaRPr lang="en-US"/>
           </a:p>
@@ -10864,14 +11142,14 @@
           <a:effectLst/>
           <a:extLst>
             <a:ext uri="{909E8E84-426E-40dd-AFC4-6F175D3DCCD1}">
-              <a14:hiddenFill xmlns:a14="http://schemas.microsoft.com/office/drawing/2010/main" xmlns="">
+              <a14:hiddenFill xmlns="" xmlns:a14="http://schemas.microsoft.com/office/drawing/2010/main">
                 <a:solidFill>
                   <a:schemeClr val="accent1"/>
                 </a:solidFill>
               </a14:hiddenFill>
             </a:ext>
             <a:ext uri="{91240B29-F687-4f45-9708-019B960494DF}">
-              <a14:hiddenLine xmlns:a14="http://schemas.microsoft.com/office/drawing/2010/main" xmlns="" w="9525">
+              <a14:hiddenLine xmlns="" xmlns:a14="http://schemas.microsoft.com/office/drawing/2010/main" w="9525">
                 <a:solidFill>
                   <a:schemeClr val="tx1"/>
                 </a:solidFill>
@@ -10881,7 +11159,7 @@
               </a14:hiddenLine>
             </a:ext>
             <a:ext uri="{AF507438-7753-43e0-B8FC-AC1667EBCBE1}">
-              <a14:hiddenEffects xmlns:a14="http://schemas.microsoft.com/office/drawing/2010/main" xmlns="">
+              <a14:hiddenEffects xmlns="" xmlns:a14="http://schemas.microsoft.com/office/drawing/2010/main">
                 <a:effectLst>
                   <a:outerShdw blurRad="63500" dist="38099" dir="2700000" algn="ctr" rotWithShape="0">
                     <a:schemeClr val="bg2">
@@ -10980,7 +11258,7 @@
 </p:sld>
 </file>
 
-<file path=ppt/slides/slide26.xml><?xml version="1.0" encoding="utf-8"?>
+<file path=ppt/slides/slide27.xml><?xml version="1.0" encoding="utf-8"?>
 <p:sld xmlns:a="http://schemas.openxmlformats.org/drawingml/2006/main" xmlns:r="http://schemas.openxmlformats.org/officeDocument/2006/relationships" xmlns:p="http://schemas.openxmlformats.org/presentationml/2006/main">
   <p:cSld>
     <p:spTree>
@@ -11014,7 +11292,7 @@
           <a:p>
             <a:fld id="{C94E3762-5D8A-3A4E-B6DB-2FE9B8FB070F}" type="datetime1">
               <a:rPr lang="en-US" smtClean="0"/>
-              <a:t>10/30/18</a:t>
+              <a:t>11/1/18</a:t>
             </a:fld>
             <a:endParaRPr lang="en-US"/>
           </a:p>
@@ -11060,7 +11338,7 @@
           <a:p>
             <a:fld id="{D2DB48A1-B5F2-D944-9563-BD7B04ADBA09}" type="slidenum">
               <a:rPr lang="en-US" smtClean="0"/>
-              <a:t>26</a:t>
+              <a:t>27</a:t>
             </a:fld>
             <a:endParaRPr lang="en-US"/>
           </a:p>
@@ -11164,14 +11442,14 @@
           <a:effectLst/>
           <a:extLst>
             <a:ext uri="{909E8E84-426E-40dd-AFC4-6F175D3DCCD1}">
-              <a14:hiddenFill xmlns:a14="http://schemas.microsoft.com/office/drawing/2010/main" xmlns="">
+              <a14:hiddenFill xmlns="" xmlns:a14="http://schemas.microsoft.com/office/drawing/2010/main">
                 <a:solidFill>
                   <a:schemeClr val="accent1"/>
                 </a:solidFill>
               </a14:hiddenFill>
             </a:ext>
             <a:ext uri="{91240B29-F687-4f45-9708-019B960494DF}">
-              <a14:hiddenLine xmlns:a14="http://schemas.microsoft.com/office/drawing/2010/main" xmlns="" w="9525">
+              <a14:hiddenLine xmlns="" xmlns:a14="http://schemas.microsoft.com/office/drawing/2010/main" w="9525">
                 <a:solidFill>
                   <a:schemeClr val="tx1"/>
                 </a:solidFill>
@@ -11181,7 +11459,7 @@
               </a14:hiddenLine>
             </a:ext>
             <a:ext uri="{AF507438-7753-43e0-B8FC-AC1667EBCBE1}">
-              <a14:hiddenEffects xmlns:a14="http://schemas.microsoft.com/office/drawing/2010/main" xmlns="">
+              <a14:hiddenEffects xmlns="" xmlns:a14="http://schemas.microsoft.com/office/drawing/2010/main">
                 <a:effectLst>
                   <a:outerShdw blurRad="63500" dist="38099" dir="2700000" algn="ctr" rotWithShape="0">
                     <a:schemeClr val="bg2">
@@ -11296,7 +11574,7 @@
 </p:sld>
 </file>
 
-<file path=ppt/slides/slide27.xml><?xml version="1.0" encoding="utf-8"?>
+<file path=ppt/slides/slide28.xml><?xml version="1.0" encoding="utf-8"?>
 <p:sld xmlns:a="http://schemas.openxmlformats.org/drawingml/2006/main" xmlns:r="http://schemas.openxmlformats.org/officeDocument/2006/relationships" xmlns:p="http://schemas.openxmlformats.org/presentationml/2006/main">
   <p:cSld>
     <p:spTree>
@@ -11330,7 +11608,7 @@
           <a:p>
             <a:fld id="{C94E3762-5D8A-3A4E-B6DB-2FE9B8FB070F}" type="datetime1">
               <a:rPr lang="en-US" smtClean="0"/>
-              <a:t>10/30/18</a:t>
+              <a:t>11/1/18</a:t>
             </a:fld>
             <a:endParaRPr lang="en-US"/>
           </a:p>
@@ -11376,7 +11654,7 @@
           <a:p>
             <a:fld id="{D2DB48A1-B5F2-D944-9563-BD7B04ADBA09}" type="slidenum">
               <a:rPr lang="en-US" smtClean="0"/>
-              <a:t>27</a:t>
+              <a:t>28</a:t>
             </a:fld>
             <a:endParaRPr lang="en-US"/>
           </a:p>
@@ -11440,7 +11718,7 @@
           <a:noFill/>
           <a:extLst>
             <a:ext uri="{909E8E84-426E-40dd-AFC4-6F175D3DCCD1}">
-              <a14:hiddenFill xmlns:a14="http://schemas.microsoft.com/office/drawing/2010/main" xmlns="">
+              <a14:hiddenFill xmlns="" xmlns:a14="http://schemas.microsoft.com/office/drawing/2010/main">
                 <a:solidFill>
                   <a:srgbClr val="FFFFFF"/>
                 </a:solidFill>
@@ -11472,14 +11750,14 @@
           <a:effectLst/>
           <a:extLst>
             <a:ext uri="{909E8E84-426E-40dd-AFC4-6F175D3DCCD1}">
-              <a14:hiddenFill xmlns:a14="http://schemas.microsoft.com/office/drawing/2010/main" xmlns="">
+              <a14:hiddenFill xmlns="" xmlns:a14="http://schemas.microsoft.com/office/drawing/2010/main">
                 <a:solidFill>
                   <a:schemeClr val="accent1"/>
                 </a:solidFill>
               </a14:hiddenFill>
             </a:ext>
             <a:ext uri="{91240B29-F687-4f45-9708-019B960494DF}">
-              <a14:hiddenLine xmlns:a14="http://schemas.microsoft.com/office/drawing/2010/main" xmlns="" w="9525">
+              <a14:hiddenLine xmlns="" xmlns:a14="http://schemas.microsoft.com/office/drawing/2010/main" w="9525">
                 <a:solidFill>
                   <a:schemeClr val="tx1"/>
                 </a:solidFill>
@@ -11489,7 +11767,7 @@
               </a14:hiddenLine>
             </a:ext>
             <a:ext uri="{AF507438-7753-43e0-B8FC-AC1667EBCBE1}">
-              <a14:hiddenEffects xmlns:a14="http://schemas.microsoft.com/office/drawing/2010/main" xmlns="">
+              <a14:hiddenEffects xmlns="" xmlns:a14="http://schemas.microsoft.com/office/drawing/2010/main">
                 <a:effectLst>
                   <a:outerShdw blurRad="63500" dist="38099" dir="2700000" algn="ctr" rotWithShape="0">
                     <a:schemeClr val="bg2">
@@ -11557,7 +11835,7 @@
 </p:sld>
 </file>
 
-<file path=ppt/slides/slide28.xml><?xml version="1.0" encoding="utf-8"?>
+<file path=ppt/slides/slide29.xml><?xml version="1.0" encoding="utf-8"?>
 <p:sld xmlns:a="http://schemas.openxmlformats.org/drawingml/2006/main" xmlns:r="http://schemas.openxmlformats.org/officeDocument/2006/relationships" xmlns:p="http://schemas.openxmlformats.org/presentationml/2006/main">
   <p:cSld>
     <p:spTree>
@@ -11646,7 +11924,7 @@
           <a:p>
             <a:fld id="{52ABBB52-D186-264B-B6B8-688F4CAB6400}" type="datetime1">
               <a:rPr lang="en-US" smtClean="0"/>
-              <a:t>10/30/18</a:t>
+              <a:t>11/1/18</a:t>
             </a:fld>
             <a:endParaRPr lang="en-US"/>
           </a:p>
@@ -11692,7 +11970,7 @@
           <a:p>
             <a:fld id="{D2DB48A1-B5F2-D944-9563-BD7B04ADBA09}" type="slidenum">
               <a:rPr lang="en-US" smtClean="0"/>
-              <a:t>28</a:t>
+              <a:t>29</a:t>
             </a:fld>
             <a:endParaRPr lang="en-US"/>
           </a:p>
@@ -11842,7 +12120,7 @@
           <a:p>
             <a:fld id="{C94E3762-5D8A-3A4E-B6DB-2FE9B8FB070F}" type="datetime1">
               <a:rPr lang="en-US" smtClean="0"/>
-              <a:t>10/30/18</a:t>
+              <a:t>11/1/18</a:t>
             </a:fld>
             <a:endParaRPr lang="en-US"/>
           </a:p>
@@ -11948,14 +12226,14 @@
           <a:effectLst/>
           <a:extLst>
             <a:ext uri="{909E8E84-426E-40dd-AFC4-6F175D3DCCD1}">
-              <a14:hiddenFill xmlns:a14="http://schemas.microsoft.com/office/drawing/2010/main" xmlns="">
+              <a14:hiddenFill xmlns="" xmlns:a14="http://schemas.microsoft.com/office/drawing/2010/main">
                 <a:solidFill>
                   <a:schemeClr val="accent1"/>
                 </a:solidFill>
               </a14:hiddenFill>
             </a:ext>
             <a:ext uri="{91240B29-F687-4f45-9708-019B960494DF}">
-              <a14:hiddenLine xmlns:a14="http://schemas.microsoft.com/office/drawing/2010/main" xmlns="" w="9525">
+              <a14:hiddenLine xmlns="" xmlns:a14="http://schemas.microsoft.com/office/drawing/2010/main" w="9525">
                 <a:solidFill>
                   <a:schemeClr val="tx1"/>
                 </a:solidFill>
@@ -11965,7 +12243,7 @@
               </a14:hiddenLine>
             </a:ext>
             <a:ext uri="{AF507438-7753-43e0-B8FC-AC1667EBCBE1}">
-              <a14:hiddenEffects xmlns:a14="http://schemas.microsoft.com/office/drawing/2010/main" xmlns="">
+              <a14:hiddenEffects xmlns="" xmlns:a14="http://schemas.microsoft.com/office/drawing/2010/main">
                 <a:effectLst>
                   <a:outerShdw blurRad="63500" dist="38099" dir="2700000" algn="ctr" rotWithShape="0">
                     <a:schemeClr val="bg2">
@@ -12211,7 +12489,7 @@
           <a:p>
             <a:fld id="{C94E3762-5D8A-3A4E-B6DB-2FE9B8FB070F}" type="datetime1">
               <a:rPr lang="en-US" smtClean="0"/>
-              <a:t>10/30/18</a:t>
+              <a:t>11/1/18</a:t>
             </a:fld>
             <a:endParaRPr lang="en-US"/>
           </a:p>
@@ -12337,14 +12615,14 @@
           <a:effectLst/>
           <a:extLst>
             <a:ext uri="{909E8E84-426E-40dd-AFC4-6F175D3DCCD1}">
-              <a14:hiddenFill xmlns:a14="http://schemas.microsoft.com/office/drawing/2010/main" xmlns="">
+              <a14:hiddenFill xmlns="" xmlns:a14="http://schemas.microsoft.com/office/drawing/2010/main">
                 <a:solidFill>
                   <a:schemeClr val="accent1"/>
                 </a:solidFill>
               </a14:hiddenFill>
             </a:ext>
             <a:ext uri="{91240B29-F687-4f45-9708-019B960494DF}">
-              <a14:hiddenLine xmlns:a14="http://schemas.microsoft.com/office/drawing/2010/main" xmlns="" w="9525">
+              <a14:hiddenLine xmlns="" xmlns:a14="http://schemas.microsoft.com/office/drawing/2010/main" w="9525">
                 <a:solidFill>
                   <a:schemeClr val="tx1"/>
                 </a:solidFill>
@@ -12354,7 +12632,7 @@
               </a14:hiddenLine>
             </a:ext>
             <a:ext uri="{AF507438-7753-43e0-B8FC-AC1667EBCBE1}">
-              <a14:hiddenEffects xmlns:a14="http://schemas.microsoft.com/office/drawing/2010/main" xmlns="">
+              <a14:hiddenEffects xmlns="" xmlns:a14="http://schemas.microsoft.com/office/drawing/2010/main">
                 <a:effectLst>
                   <a:outerShdw blurRad="63500" dist="38099" dir="2700000" algn="ctr" rotWithShape="0">
                     <a:schemeClr val="bg2">
@@ -12484,7 +12762,7 @@
           <a:p>
             <a:fld id="{C94E3762-5D8A-3A4E-B6DB-2FE9B8FB070F}" type="datetime1">
               <a:rPr lang="en-US" smtClean="0"/>
-              <a:t>10/30/18</a:t>
+              <a:t>11/1/18</a:t>
             </a:fld>
             <a:endParaRPr lang="en-US"/>
           </a:p>
@@ -12595,7 +12873,7 @@
           <a:noFill/>
           <a:extLst>
             <a:ext uri="{909E8E84-426E-40dd-AFC4-6F175D3DCCD1}">
-              <a14:hiddenFill xmlns:a14="http://schemas.microsoft.com/office/drawing/2010/main" xmlns="">
+              <a14:hiddenFill xmlns="" xmlns:a14="http://schemas.microsoft.com/office/drawing/2010/main">
                 <a:solidFill>
                   <a:srgbClr val="FFFFFF"/>
                 </a:solidFill>
@@ -12627,14 +12905,14 @@
           <a:effectLst/>
           <a:extLst>
             <a:ext uri="{909E8E84-426E-40dd-AFC4-6F175D3DCCD1}">
-              <a14:hiddenFill xmlns:a14="http://schemas.microsoft.com/office/drawing/2010/main" xmlns="">
+              <a14:hiddenFill xmlns="" xmlns:a14="http://schemas.microsoft.com/office/drawing/2010/main">
                 <a:solidFill>
                   <a:schemeClr val="accent1"/>
                 </a:solidFill>
               </a14:hiddenFill>
             </a:ext>
             <a:ext uri="{91240B29-F687-4f45-9708-019B960494DF}">
-              <a14:hiddenLine xmlns:a14="http://schemas.microsoft.com/office/drawing/2010/main" xmlns="" w="9525">
+              <a14:hiddenLine xmlns="" xmlns:a14="http://schemas.microsoft.com/office/drawing/2010/main" w="9525">
                 <a:solidFill>
                   <a:schemeClr val="tx1"/>
                 </a:solidFill>
@@ -12644,7 +12922,7 @@
               </a14:hiddenLine>
             </a:ext>
             <a:ext uri="{AF507438-7753-43e0-B8FC-AC1667EBCBE1}">
-              <a14:hiddenEffects xmlns:a14="http://schemas.microsoft.com/office/drawing/2010/main" xmlns="">
+              <a14:hiddenEffects xmlns="" xmlns:a14="http://schemas.microsoft.com/office/drawing/2010/main">
                 <a:effectLst>
                   <a:outerShdw blurRad="63500" dist="38099" dir="2700000" algn="ctr" rotWithShape="0">
                     <a:schemeClr val="bg2">
@@ -12856,7 +13134,7 @@
           <a:p>
             <a:fld id="{C94E3762-5D8A-3A4E-B6DB-2FE9B8FB070F}" type="datetime1">
               <a:rPr lang="en-US" smtClean="0"/>
-              <a:t>10/30/18</a:t>
+              <a:t>11/1/18</a:t>
             </a:fld>
             <a:endParaRPr lang="en-US"/>
           </a:p>
@@ -13366,7 +13644,7 @@
           <a:p>
             <a:fld id="{C94E3762-5D8A-3A4E-B6DB-2FE9B8FB070F}" type="datetime1">
               <a:rPr lang="en-US" smtClean="0"/>
-              <a:t>10/30/18</a:t>
+              <a:t>11/1/18</a:t>
             </a:fld>
             <a:endParaRPr lang="en-US"/>
           </a:p>
@@ -13572,7 +13850,7 @@
           <a:p>
             <a:fld id="{C94E3762-5D8A-3A4E-B6DB-2FE9B8FB070F}" type="datetime1">
               <a:rPr lang="en-US" smtClean="0"/>
-              <a:t>10/30/18</a:t>
+              <a:t>11/1/18</a:t>
             </a:fld>
             <a:endParaRPr lang="en-US"/>
           </a:p>
@@ -13960,7 +14238,7 @@
           <a:p>
             <a:fld id="{C94E3762-5D8A-3A4E-B6DB-2FE9B8FB070F}" type="datetime1">
               <a:rPr lang="en-US" smtClean="0"/>
-              <a:t>10/30/18</a:t>
+              <a:t>11/1/18</a:t>
             </a:fld>
             <a:endParaRPr lang="en-US"/>
           </a:p>
@@ -14079,7 +14357,7 @@
           <a:noFill/>
           <a:extLst>
             <a:ext uri="{909E8E84-426E-40dd-AFC4-6F175D3DCCD1}">
-              <a14:hiddenFill xmlns:a14="http://schemas.microsoft.com/office/drawing/2010/main" xmlns="">
+              <a14:hiddenFill xmlns="" xmlns:a14="http://schemas.microsoft.com/office/drawing/2010/main">
                 <a:solidFill>
                   <a:srgbClr val="FFFFFF"/>
                 </a:solidFill>
@@ -14111,14 +14389,14 @@
           <a:effectLst/>
           <a:extLst>
             <a:ext uri="{909E8E84-426E-40dd-AFC4-6F175D3DCCD1}">
-              <a14:hiddenFill xmlns:a14="http://schemas.microsoft.com/office/drawing/2010/main" xmlns="">
+              <a14:hiddenFill xmlns="" xmlns:a14="http://schemas.microsoft.com/office/drawing/2010/main">
                 <a:solidFill>
                   <a:schemeClr val="accent1"/>
                 </a:solidFill>
               </a14:hiddenFill>
             </a:ext>
             <a:ext uri="{91240B29-F687-4f45-9708-019B960494DF}">
-              <a14:hiddenLine xmlns:a14="http://schemas.microsoft.com/office/drawing/2010/main" xmlns="" w="9525">
+              <a14:hiddenLine xmlns="" xmlns:a14="http://schemas.microsoft.com/office/drawing/2010/main" w="9525">
                 <a:solidFill>
                   <a:schemeClr val="tx1"/>
                 </a:solidFill>
@@ -14128,7 +14406,7 @@
               </a14:hiddenLine>
             </a:ext>
             <a:ext uri="{AF507438-7753-43e0-B8FC-AC1667EBCBE1}">
-              <a14:hiddenEffects xmlns:a14="http://schemas.microsoft.com/office/drawing/2010/main" xmlns="">
+              <a14:hiddenEffects xmlns="" xmlns:a14="http://schemas.microsoft.com/office/drawing/2010/main">
                 <a:effectLst>
                   <a:outerShdw blurRad="63500" dist="38099" dir="2700000" algn="ctr" rotWithShape="0">
                     <a:schemeClr val="bg2">
